--- a/004_Node/lesson_28/Presentation/Console_program.pptx
+++ b/004_Node/lesson_28/Presentation/Console_program.pptx
@@ -619,7 +619,7 @@
     </p:spTree>
     <p:extLst>
       <p:ext uri="{BB962C8B-B14F-4D97-AF65-F5344CB8AC3E}">
-        <p14:creationId xmlns="" xmlns:p14="http://schemas.microsoft.com/office/powerpoint/2010/main" val="3537187278"/>
+        <p14:creationId xmlns:p14="http://schemas.microsoft.com/office/powerpoint/2010/main" xmlns="" val="3537187278"/>
       </p:ext>
     </p:extLst>
   </p:cSld>
@@ -665,7 +665,7 @@
           <a:blip r:embed="rId2" cstate="print">
             <a:extLst>
               <a:ext uri="{28A0092B-C50C-407E-A947-70E740481C1C}">
-                <a14:useLocalDpi xmlns="" xmlns:a14="http://schemas.microsoft.com/office/drawing/2010/main" val="0"/>
+                <a14:useLocalDpi xmlns:a14="http://schemas.microsoft.com/office/drawing/2010/main" xmlns="" val="0"/>
               </a:ext>
             </a:extLst>
           </a:blip>
@@ -689,14 +689,14 @@
           <a:effectLst/>
           <a:extLst>
             <a:ext uri="{909E8E84-426E-40DD-AFC4-6F175D3DCCD1}">
-              <a14:hiddenFill xmlns="" xmlns:a14="http://schemas.microsoft.com/office/drawing/2010/main">
+              <a14:hiddenFill xmlns:a14="http://schemas.microsoft.com/office/drawing/2010/main" xmlns="">
                 <a:solidFill>
                   <a:schemeClr val="accent1"/>
                 </a:solidFill>
               </a14:hiddenFill>
             </a:ext>
             <a:ext uri="{91240B29-F687-4F45-9708-019B960494DF}">
-              <a14:hiddenLine xmlns="" xmlns:a14="http://schemas.microsoft.com/office/drawing/2010/main" w="9525">
+              <a14:hiddenLine xmlns:a14="http://schemas.microsoft.com/office/drawing/2010/main" xmlns="" w="9525">
                 <a:solidFill>
                   <a:schemeClr val="tx1"/>
                 </a:solidFill>
@@ -706,7 +706,7 @@
               </a14:hiddenLine>
             </a:ext>
             <a:ext uri="{AF507438-7753-43E0-B8FC-AC1667EBCBE1}">
-              <a14:hiddenEffects xmlns="" xmlns:a14="http://schemas.microsoft.com/office/drawing/2010/main">
+              <a14:hiddenEffects xmlns:a14="http://schemas.microsoft.com/office/drawing/2010/main" xmlns="">
                 <a:effectLst>
                   <a:outerShdw dist="35921" dir="2700000" algn="ctr" rotWithShape="0">
                     <a:schemeClr val="bg2"/>
@@ -847,7 +847,7 @@
     </p:spTree>
     <p:extLst>
       <p:ext uri="{BB962C8B-B14F-4D97-AF65-F5344CB8AC3E}">
-        <p14:creationId xmlns="" xmlns:p14="http://schemas.microsoft.com/office/powerpoint/2010/main" val="2097366919"/>
+        <p14:creationId xmlns:p14="http://schemas.microsoft.com/office/powerpoint/2010/main" xmlns="" val="2097366919"/>
       </p:ext>
     </p:extLst>
   </p:cSld>
@@ -1371,7 +1371,7 @@
     </p:spTree>
     <p:extLst>
       <p:ext uri="{BB962C8B-B14F-4D97-AF65-F5344CB8AC3E}">
-        <p14:creationId xmlns="" xmlns:p14="http://schemas.microsoft.com/office/powerpoint/2010/main" val="3537187278"/>
+        <p14:creationId xmlns:p14="http://schemas.microsoft.com/office/powerpoint/2010/main" xmlns="" val="3537187278"/>
       </p:ext>
     </p:extLst>
   </p:cSld>
@@ -1417,7 +1417,7 @@
           <a:blip r:embed="rId2" cstate="print">
             <a:extLst>
               <a:ext uri="{28A0092B-C50C-407E-A947-70E740481C1C}">
-                <a14:useLocalDpi xmlns="" xmlns:a14="http://schemas.microsoft.com/office/drawing/2010/main" val="0"/>
+                <a14:useLocalDpi xmlns:a14="http://schemas.microsoft.com/office/drawing/2010/main" xmlns="" val="0"/>
               </a:ext>
             </a:extLst>
           </a:blip>
@@ -1441,14 +1441,14 @@
           <a:effectLst/>
           <a:extLst>
             <a:ext uri="{909E8E84-426E-40DD-AFC4-6F175D3DCCD1}">
-              <a14:hiddenFill xmlns="" xmlns:a14="http://schemas.microsoft.com/office/drawing/2010/main">
+              <a14:hiddenFill xmlns:a14="http://schemas.microsoft.com/office/drawing/2010/main" xmlns="">
                 <a:solidFill>
                   <a:schemeClr val="accent1"/>
                 </a:solidFill>
               </a14:hiddenFill>
             </a:ext>
             <a:ext uri="{91240B29-F687-4F45-9708-019B960494DF}">
-              <a14:hiddenLine xmlns="" xmlns:a14="http://schemas.microsoft.com/office/drawing/2010/main" w="9525">
+              <a14:hiddenLine xmlns:a14="http://schemas.microsoft.com/office/drawing/2010/main" xmlns="" w="9525">
                 <a:solidFill>
                   <a:schemeClr val="tx1"/>
                 </a:solidFill>
@@ -1458,7 +1458,7 @@
               </a14:hiddenLine>
             </a:ext>
             <a:ext uri="{AF507438-7753-43E0-B8FC-AC1667EBCBE1}">
-              <a14:hiddenEffects xmlns="" xmlns:a14="http://schemas.microsoft.com/office/drawing/2010/main">
+              <a14:hiddenEffects xmlns:a14="http://schemas.microsoft.com/office/drawing/2010/main" xmlns="">
                 <a:effectLst>
                   <a:outerShdw dist="35921" dir="2700000" algn="ctr" rotWithShape="0">
                     <a:schemeClr val="bg2"/>
@@ -1599,7 +1599,7 @@
     </p:spTree>
     <p:extLst>
       <p:ext uri="{BB962C8B-B14F-4D97-AF65-F5344CB8AC3E}">
-        <p14:creationId xmlns="" xmlns:p14="http://schemas.microsoft.com/office/powerpoint/2010/main" val="2097366919"/>
+        <p14:creationId xmlns:p14="http://schemas.microsoft.com/office/powerpoint/2010/main" xmlns="" val="2097366919"/>
       </p:ext>
     </p:extLst>
   </p:cSld>
@@ -1674,7 +1674,7 @@
     </p:spTree>
     <p:extLst>
       <p:ext uri="{BB962C8B-B14F-4D97-AF65-F5344CB8AC3E}">
-        <p14:creationId xmlns="" xmlns:p14="http://schemas.microsoft.com/office/powerpoint/2010/main" val="779007194"/>
+        <p14:creationId xmlns:p14="http://schemas.microsoft.com/office/powerpoint/2010/main" xmlns="" val="779007194"/>
       </p:ext>
     </p:extLst>
   </p:cSld>
@@ -2056,252 +2056,6 @@
       </p:sp>
       <p:sp>
         <p:nvSpPr>
-          <p:cNvPr id="6" name="Subtitle 2"/>
-          <p:cNvSpPr txBox="1">
-            <a:spLocks/>
-          </p:cNvSpPr>
-          <p:nvPr/>
-        </p:nvSpPr>
-        <p:spPr>
-          <a:xfrm>
-            <a:off x="806449" y="1281006"/>
-            <a:ext cx="6322695" cy="507831"/>
-          </a:xfrm>
-          <a:prstGeom prst="rect">
-            <a:avLst/>
-          </a:prstGeom>
-        </p:spPr>
-        <p:txBody>
-          <a:bodyPr wrap="square">
-            <a:spAutoFit/>
-          </a:bodyPr>
-          <a:lstStyle>
-            <a:lvl1pPr marL="0" indent="0" algn="l" defTabSz="914400" rtl="0" eaLnBrk="1" latinLnBrk="0" hangingPunct="1">
-              <a:spcBef>
-                <a:spcPct val="20000"/>
-              </a:spcBef>
-              <a:buFont typeface="Arial" pitchFamily="34" charset="0"/>
-              <a:buNone/>
-              <a:defRPr sz="3200" kern="1200">
-                <a:solidFill>
-                  <a:schemeClr val="tx1">
-                    <a:tint val="75000"/>
-                  </a:schemeClr>
-                </a:solidFill>
-                <a:latin typeface="+mj-lt"/>
-                <a:ea typeface="+mn-ea"/>
-                <a:cs typeface="+mn-cs"/>
-              </a:defRPr>
-            </a:lvl1pPr>
-            <a:lvl2pPr marL="457200" indent="0" algn="ctr" defTabSz="914400" rtl="0" eaLnBrk="1" latinLnBrk="0" hangingPunct="1">
-              <a:spcBef>
-                <a:spcPct val="20000"/>
-              </a:spcBef>
-              <a:buFont typeface="Arial" pitchFamily="34" charset="0"/>
-              <a:buNone/>
-              <a:defRPr sz="2800" kern="1200">
-                <a:solidFill>
-                  <a:schemeClr val="tx1">
-                    <a:tint val="75000"/>
-                  </a:schemeClr>
-                </a:solidFill>
-                <a:latin typeface="+mn-lt"/>
-                <a:ea typeface="+mn-ea"/>
-                <a:cs typeface="+mn-cs"/>
-              </a:defRPr>
-            </a:lvl2pPr>
-            <a:lvl3pPr marL="914400" indent="0" algn="ctr" defTabSz="914400" rtl="0" eaLnBrk="1" latinLnBrk="0" hangingPunct="1">
-              <a:spcBef>
-                <a:spcPct val="20000"/>
-              </a:spcBef>
-              <a:buFont typeface="Arial" pitchFamily="34" charset="0"/>
-              <a:buNone/>
-              <a:defRPr sz="2400" kern="1200">
-                <a:solidFill>
-                  <a:schemeClr val="tx1">
-                    <a:tint val="75000"/>
-                  </a:schemeClr>
-                </a:solidFill>
-                <a:latin typeface="+mn-lt"/>
-                <a:ea typeface="+mn-ea"/>
-                <a:cs typeface="+mn-cs"/>
-              </a:defRPr>
-            </a:lvl3pPr>
-            <a:lvl4pPr marL="1371600" indent="0" algn="ctr" defTabSz="914400" rtl="0" eaLnBrk="1" latinLnBrk="0" hangingPunct="1">
-              <a:spcBef>
-                <a:spcPct val="20000"/>
-              </a:spcBef>
-              <a:buFont typeface="Arial" pitchFamily="34" charset="0"/>
-              <a:buNone/>
-              <a:defRPr sz="2000" kern="1200">
-                <a:solidFill>
-                  <a:schemeClr val="tx1">
-                    <a:tint val="75000"/>
-                  </a:schemeClr>
-                </a:solidFill>
-                <a:latin typeface="+mn-lt"/>
-                <a:ea typeface="+mn-ea"/>
-                <a:cs typeface="+mn-cs"/>
-              </a:defRPr>
-            </a:lvl4pPr>
-            <a:lvl5pPr marL="1828800" indent="0" algn="ctr" defTabSz="914400" rtl="0" eaLnBrk="1" latinLnBrk="0" hangingPunct="1">
-              <a:spcBef>
-                <a:spcPct val="20000"/>
-              </a:spcBef>
-              <a:buFont typeface="Arial" pitchFamily="34" charset="0"/>
-              <a:buNone/>
-              <a:defRPr sz="2000" kern="1200">
-                <a:solidFill>
-                  <a:schemeClr val="tx1">
-                    <a:tint val="75000"/>
-                  </a:schemeClr>
-                </a:solidFill>
-                <a:latin typeface="+mn-lt"/>
-                <a:ea typeface="+mn-ea"/>
-                <a:cs typeface="+mn-cs"/>
-              </a:defRPr>
-            </a:lvl5pPr>
-            <a:lvl6pPr marL="2286000" indent="0" algn="ctr" defTabSz="914400" rtl="0" eaLnBrk="1" latinLnBrk="0" hangingPunct="1">
-              <a:spcBef>
-                <a:spcPct val="20000"/>
-              </a:spcBef>
-              <a:buFont typeface="Arial" pitchFamily="34" charset="0"/>
-              <a:buNone/>
-              <a:defRPr sz="2000" kern="1200">
-                <a:solidFill>
-                  <a:schemeClr val="tx1">
-                    <a:tint val="75000"/>
-                  </a:schemeClr>
-                </a:solidFill>
-                <a:latin typeface="+mn-lt"/>
-                <a:ea typeface="+mn-ea"/>
-                <a:cs typeface="+mn-cs"/>
-              </a:defRPr>
-            </a:lvl6pPr>
-            <a:lvl7pPr marL="2743200" indent="0" algn="ctr" defTabSz="914400" rtl="0" eaLnBrk="1" latinLnBrk="0" hangingPunct="1">
-              <a:spcBef>
-                <a:spcPct val="20000"/>
-              </a:spcBef>
-              <a:buFont typeface="Arial" pitchFamily="34" charset="0"/>
-              <a:buNone/>
-              <a:defRPr sz="2000" kern="1200">
-                <a:solidFill>
-                  <a:schemeClr val="tx1">
-                    <a:tint val="75000"/>
-                  </a:schemeClr>
-                </a:solidFill>
-                <a:latin typeface="+mn-lt"/>
-                <a:ea typeface="+mn-ea"/>
-                <a:cs typeface="+mn-cs"/>
-              </a:defRPr>
-            </a:lvl7pPr>
-            <a:lvl8pPr marL="3200400" indent="0" algn="ctr" defTabSz="914400" rtl="0" eaLnBrk="1" latinLnBrk="0" hangingPunct="1">
-              <a:spcBef>
-                <a:spcPct val="20000"/>
-              </a:spcBef>
-              <a:buFont typeface="Arial" pitchFamily="34" charset="0"/>
-              <a:buNone/>
-              <a:defRPr sz="2000" kern="1200">
-                <a:solidFill>
-                  <a:schemeClr val="tx1">
-                    <a:tint val="75000"/>
-                  </a:schemeClr>
-                </a:solidFill>
-                <a:latin typeface="+mn-lt"/>
-                <a:ea typeface="+mn-ea"/>
-                <a:cs typeface="+mn-cs"/>
-              </a:defRPr>
-            </a:lvl8pPr>
-            <a:lvl9pPr marL="3657600" indent="0" algn="ctr" defTabSz="914400" rtl="0" eaLnBrk="1" latinLnBrk="0" hangingPunct="1">
-              <a:spcBef>
-                <a:spcPct val="20000"/>
-              </a:spcBef>
-              <a:buFont typeface="Arial" pitchFamily="34" charset="0"/>
-              <a:buNone/>
-              <a:defRPr sz="2000" kern="1200">
-                <a:solidFill>
-                  <a:schemeClr val="tx1">
-                    <a:tint val="75000"/>
-                  </a:schemeClr>
-                </a:solidFill>
-                <a:latin typeface="+mn-lt"/>
-                <a:ea typeface="+mn-ea"/>
-                <a:cs typeface="+mn-cs"/>
-              </a:defRPr>
-            </a:lvl9pPr>
-          </a:lstStyle>
-          <a:p>
-            <a:r>
-              <a:rPr lang="en-US" sz="2700" dirty="0" smtClean="0">
-                <a:solidFill>
-                  <a:schemeClr val="tx1">
-                    <a:lumMod val="90000"/>
-                    <a:lumOff val="10000"/>
-                  </a:schemeClr>
-                </a:solidFill>
-                <a:latin typeface="Calibri" pitchFamily="34" charset="0"/>
-                <a:ea typeface="Roboto Light" panose="02000000000000000000" pitchFamily="2" charset="0"/>
-                <a:cs typeface="Roboto Light" panose="02000000000000000000" pitchFamily="2" charset="0"/>
-              </a:rPr>
-              <a:t>The JavaScript Programming Language</a:t>
-            </a:r>
-            <a:endParaRPr lang="en-US" sz="2700" dirty="0">
-              <a:solidFill>
-                <a:schemeClr val="tx1">
-                  <a:lumMod val="90000"/>
-                  <a:lumOff val="10000"/>
-                </a:schemeClr>
-              </a:solidFill>
-              <a:latin typeface="Calibri" pitchFamily="34" charset="0"/>
-              <a:ea typeface="Roboto Light" panose="02000000000000000000" pitchFamily="2" charset="0"/>
-              <a:cs typeface="Roboto Light" panose="02000000000000000000" pitchFamily="2" charset="0"/>
-            </a:endParaRPr>
-          </a:p>
-        </p:txBody>
-      </p:sp>
-      <p:pic>
-        <p:nvPicPr>
-          <p:cNvPr id="1028" name="Picture 4" descr="C:\Users\Darick\Desktop\Mmww2.png"/>
-          <p:cNvPicPr>
-            <a:picLocks noChangeAspect="1" noChangeArrowheads="1"/>
-          </p:cNvPicPr>
-          <p:nvPr/>
-        </p:nvPicPr>
-        <p:blipFill>
-          <a:blip r:embed="rId2" cstate="print">
-            <a:extLst>
-              <a:ext uri="{28A0092B-C50C-407E-A947-70E740481C1C}">
-                <a14:useLocalDpi xmlns="" xmlns:a14="http://schemas.microsoft.com/office/drawing/2010/main" val="0"/>
-              </a:ext>
-            </a:extLst>
-          </a:blip>
-          <a:srcRect/>
-          <a:stretch>
-            <a:fillRect/>
-          </a:stretch>
-        </p:blipFill>
-        <p:spPr bwMode="auto">
-          <a:xfrm>
-            <a:off x="1" y="698501"/>
-            <a:ext cx="809625" cy="1079500"/>
-          </a:xfrm>
-          <a:prstGeom prst="rect">
-            <a:avLst/>
-          </a:prstGeom>
-          <a:noFill/>
-          <a:extLst>
-            <a:ext uri="{909E8E84-426E-40DD-AFC4-6F175D3DCCD1}">
-              <a14:hiddenFill xmlns="" xmlns:a14="http://schemas.microsoft.com/office/drawing/2010/main">
-                <a:solidFill>
-                  <a:srgbClr val="FFFFFF"/>
-                </a:solidFill>
-              </a14:hiddenFill>
-            </a:ext>
-          </a:extLst>
-        </p:spPr>
-      </p:pic>
-      <p:sp>
-        <p:nvSpPr>
           <p:cNvPr id="5" name="TextBox 4"/>
           <p:cNvSpPr txBox="1"/>
           <p:nvPr/>
@@ -2337,10 +2091,179 @@
           </a:p>
         </p:txBody>
       </p:sp>
+      <p:sp>
+        <p:nvSpPr>
+          <p:cNvPr id="8" name="Subtitle 2"/>
+          <p:cNvSpPr txBox="1">
+            <a:spLocks/>
+          </p:cNvSpPr>
+          <p:nvPr/>
+        </p:nvSpPr>
+        <p:spPr>
+          <a:xfrm>
+            <a:off x="2051720" y="1916832"/>
+            <a:ext cx="6322695" cy="584775"/>
+          </a:xfrm>
+          <a:prstGeom prst="rect">
+            <a:avLst/>
+          </a:prstGeom>
+        </p:spPr>
+        <p:txBody>
+          <a:bodyPr wrap="square">
+            <a:spAutoFit/>
+          </a:bodyPr>
+          <a:lstStyle>
+            <a:defPPr>
+              <a:defRPr lang="uk-UA"/>
+            </a:defPPr>
+            <a:lvl1pPr marL="0" algn="l" defTabSz="914400" rtl="0" eaLnBrk="1" latinLnBrk="0" hangingPunct="1">
+              <a:defRPr sz="1800" kern="1200">
+                <a:solidFill>
+                  <a:schemeClr val="tx1"/>
+                </a:solidFill>
+                <a:latin typeface="+mn-lt"/>
+                <a:ea typeface="+mn-ea"/>
+                <a:cs typeface="+mn-cs"/>
+              </a:defRPr>
+            </a:lvl1pPr>
+            <a:lvl2pPr marL="457200" algn="l" defTabSz="914400" rtl="0" eaLnBrk="1" latinLnBrk="0" hangingPunct="1">
+              <a:defRPr sz="1800" kern="1200">
+                <a:solidFill>
+                  <a:schemeClr val="tx1"/>
+                </a:solidFill>
+                <a:latin typeface="+mn-lt"/>
+                <a:ea typeface="+mn-ea"/>
+                <a:cs typeface="+mn-cs"/>
+              </a:defRPr>
+            </a:lvl2pPr>
+            <a:lvl3pPr marL="914400" algn="l" defTabSz="914400" rtl="0" eaLnBrk="1" latinLnBrk="0" hangingPunct="1">
+              <a:defRPr sz="1800" kern="1200">
+                <a:solidFill>
+                  <a:schemeClr val="tx1"/>
+                </a:solidFill>
+                <a:latin typeface="+mn-lt"/>
+                <a:ea typeface="+mn-ea"/>
+                <a:cs typeface="+mn-cs"/>
+              </a:defRPr>
+            </a:lvl3pPr>
+            <a:lvl4pPr marL="1371600" algn="l" defTabSz="914400" rtl="0" eaLnBrk="1" latinLnBrk="0" hangingPunct="1">
+              <a:defRPr sz="1800" kern="1200">
+                <a:solidFill>
+                  <a:schemeClr val="tx1"/>
+                </a:solidFill>
+                <a:latin typeface="+mn-lt"/>
+                <a:ea typeface="+mn-ea"/>
+                <a:cs typeface="+mn-cs"/>
+              </a:defRPr>
+            </a:lvl4pPr>
+            <a:lvl5pPr marL="1828800" algn="l" defTabSz="914400" rtl="0" eaLnBrk="1" latinLnBrk="0" hangingPunct="1">
+              <a:defRPr sz="1800" kern="1200">
+                <a:solidFill>
+                  <a:schemeClr val="tx1"/>
+                </a:solidFill>
+                <a:latin typeface="+mn-lt"/>
+                <a:ea typeface="+mn-ea"/>
+                <a:cs typeface="+mn-cs"/>
+              </a:defRPr>
+            </a:lvl5pPr>
+            <a:lvl6pPr marL="2286000" algn="l" defTabSz="914400" rtl="0" eaLnBrk="1" latinLnBrk="0" hangingPunct="1">
+              <a:defRPr sz="1800" kern="1200">
+                <a:solidFill>
+                  <a:schemeClr val="tx1"/>
+                </a:solidFill>
+                <a:latin typeface="+mn-lt"/>
+                <a:ea typeface="+mn-ea"/>
+                <a:cs typeface="+mn-cs"/>
+              </a:defRPr>
+            </a:lvl6pPr>
+            <a:lvl7pPr marL="2743200" algn="l" defTabSz="914400" rtl="0" eaLnBrk="1" latinLnBrk="0" hangingPunct="1">
+              <a:defRPr sz="1800" kern="1200">
+                <a:solidFill>
+                  <a:schemeClr val="tx1"/>
+                </a:solidFill>
+                <a:latin typeface="+mn-lt"/>
+                <a:ea typeface="+mn-ea"/>
+                <a:cs typeface="+mn-cs"/>
+              </a:defRPr>
+            </a:lvl7pPr>
+            <a:lvl8pPr marL="3200400" algn="l" defTabSz="914400" rtl="0" eaLnBrk="1" latinLnBrk="0" hangingPunct="1">
+              <a:defRPr sz="1800" kern="1200">
+                <a:solidFill>
+                  <a:schemeClr val="tx1"/>
+                </a:solidFill>
+                <a:latin typeface="+mn-lt"/>
+                <a:ea typeface="+mn-ea"/>
+                <a:cs typeface="+mn-cs"/>
+              </a:defRPr>
+            </a:lvl8pPr>
+            <a:lvl9pPr marL="3657600" algn="l" defTabSz="914400" rtl="0" eaLnBrk="1" latinLnBrk="0" hangingPunct="1">
+              <a:defRPr sz="1800" kern="1200">
+                <a:solidFill>
+                  <a:schemeClr val="tx1"/>
+                </a:solidFill>
+                <a:latin typeface="+mn-lt"/>
+                <a:ea typeface="+mn-ea"/>
+                <a:cs typeface="+mn-cs"/>
+              </a:defRPr>
+            </a:lvl9pPr>
+          </a:lstStyle>
+          <a:p>
+            <a:r>
+              <a:rPr lang="en-US" sz="3200" b="1" dirty="0" smtClean="0">
+                <a:solidFill>
+                  <a:schemeClr val="tx1">
+                    <a:lumMod val="90000"/>
+                    <a:lumOff val="10000"/>
+                  </a:schemeClr>
+                </a:solidFill>
+                <a:latin typeface="Calibri" pitchFamily="34" charset="0"/>
+                <a:ea typeface="Roboto Light" panose="02000000000000000000" pitchFamily="2" charset="0"/>
+                <a:cs typeface="Roboto Light" panose="02000000000000000000" pitchFamily="2" charset="0"/>
+              </a:rPr>
+              <a:t>Node JS</a:t>
+            </a:r>
+            <a:endParaRPr lang="en-US" sz="3200" b="1" dirty="0">
+              <a:solidFill>
+                <a:schemeClr val="tx1">
+                  <a:lumMod val="90000"/>
+                  <a:lumOff val="10000"/>
+                </a:schemeClr>
+              </a:solidFill>
+              <a:latin typeface="Calibri" pitchFamily="34" charset="0"/>
+              <a:ea typeface="Roboto Light" panose="02000000000000000000" pitchFamily="2" charset="0"/>
+              <a:cs typeface="Roboto Light" panose="02000000000000000000" pitchFamily="2" charset="0"/>
+            </a:endParaRPr>
+          </a:p>
+        </p:txBody>
+      </p:sp>
+      <p:pic>
+        <p:nvPicPr>
+          <p:cNvPr id="9" name="Рисунок 8" descr="nodejs-logo.png"/>
+          <p:cNvPicPr>
+            <a:picLocks noChangeAspect="1"/>
+          </p:cNvPicPr>
+          <p:nvPr/>
+        </p:nvPicPr>
+        <p:blipFill>
+          <a:blip r:embed="rId2" cstate="print"/>
+          <a:stretch>
+            <a:fillRect/>
+          </a:stretch>
+        </p:blipFill>
+        <p:spPr>
+          <a:xfrm>
+            <a:off x="899592" y="1628800"/>
+            <a:ext cx="1152128" cy="1152128"/>
+          </a:xfrm>
+          <a:prstGeom prst="rect">
+            <a:avLst/>
+          </a:prstGeom>
+        </p:spPr>
+      </p:pic>
     </p:spTree>
     <p:extLst>
       <p:ext uri="{BB962C8B-B14F-4D97-AF65-F5344CB8AC3E}">
-        <p14:creationId xmlns="" xmlns:p14="http://schemas.microsoft.com/office/powerpoint/2010/main" val="3436223543"/>
+        <p14:creationId xmlns:p14="http://schemas.microsoft.com/office/powerpoint/2010/main" xmlns="" val="3436223543"/>
       </p:ext>
     </p:extLst>
   </p:cSld>
@@ -2488,25 +2411,7 @@
               <a:rPr lang="ru-RU" dirty="0" smtClean="0">
                 <a:latin typeface="Calibri" pitchFamily="34" charset="0"/>
               </a:rPr>
-              <a:t>Часто </a:t>
-            </a:r>
-            <a:r>
-              <a:rPr lang="ru-RU" dirty="0" smtClean="0">
-                <a:latin typeface="Calibri" pitchFamily="34" charset="0"/>
-              </a:rPr>
-              <a:t>используемые </a:t>
-            </a:r>
-            <a:r>
-              <a:rPr lang="ru-RU" dirty="0" smtClean="0">
-                <a:latin typeface="Calibri" pitchFamily="34" charset="0"/>
-              </a:rPr>
-              <a:t>команды </a:t>
-            </a:r>
-            <a:r>
-              <a:rPr lang="ru-RU" dirty="0" smtClean="0">
-                <a:latin typeface="Calibri" pitchFamily="34" charset="0"/>
-              </a:rPr>
-              <a:t>при работе с </a:t>
+              <a:t>Часто используемые команды при работе с </a:t>
             </a:r>
             <a:r>
               <a:rPr lang="ru-RU" dirty="0" err="1" smtClean="0">
@@ -2720,19 +2625,7 @@
               <a:rPr lang="en-US" dirty="0" smtClean="0">
                 <a:latin typeface="Calibri" pitchFamily="34" charset="0"/>
               </a:rPr>
-              <a:t>npm </a:t>
-            </a:r>
-            <a:r>
-              <a:rPr lang="en-US" dirty="0" smtClean="0">
-                <a:latin typeface="Calibri" pitchFamily="34" charset="0"/>
-              </a:rPr>
-              <a:t>install </a:t>
-            </a:r>
-            <a:r>
-              <a:rPr lang="en-US" dirty="0" smtClean="0">
-                <a:latin typeface="Calibri" pitchFamily="34" charset="0"/>
-              </a:rPr>
-              <a:t>*</a:t>
+              <a:t>npm install *</a:t>
             </a:r>
             <a:r>
               <a:rPr lang="en-US" dirty="0" err="1" smtClean="0">
@@ -3026,13 +2919,7 @@
               <a:rPr lang="ru-RU" sz="2000" dirty="0" smtClean="0">
                 <a:latin typeface="Calibri" pitchFamily="34" charset="0"/>
               </a:rPr>
-              <a:t> </a:t>
-            </a:r>
-            <a:r>
-              <a:rPr lang="ru-RU" sz="2000" dirty="0" smtClean="0">
-                <a:latin typeface="Calibri" pitchFamily="34" charset="0"/>
-              </a:rPr>
-              <a:t>(</a:t>
+              <a:t> (</a:t>
             </a:r>
             <a:r>
               <a:rPr lang="ru-RU" sz="2000" i="1" dirty="0" err="1" smtClean="0">
@@ -3144,6 +3031,12 @@
               </a:rPr>
               <a:t>node. </a:t>
             </a:r>
+          </a:p>
+          <a:p>
+            <a:pPr marL="180000">
+              <a:buFont typeface="Arial" pitchFamily="34" charset="0"/>
+              <a:buChar char="•"/>
+            </a:pPr>
             <a:endParaRPr lang="en-US" sz="2000" b="1" dirty="0" smtClean="0">
               <a:latin typeface="Calibri" pitchFamily="34" charset="0"/>
             </a:endParaRPr>
@@ -3153,6 +3046,77 @@
               <a:buFont typeface="Arial" pitchFamily="34" charset="0"/>
               <a:buChar char="•"/>
             </a:pPr>
+            <a:r>
+              <a:rPr lang="en-US" sz="2000" dirty="0" smtClean="0">
+                <a:latin typeface="Calibri" pitchFamily="34" charset="0"/>
+              </a:rPr>
+              <a:t> </a:t>
+            </a:r>
+            <a:r>
+              <a:rPr lang="ru-RU" sz="2000" dirty="0" smtClean="0">
+                <a:latin typeface="Calibri" pitchFamily="34" charset="0"/>
+              </a:rPr>
+              <a:t>Для завершения </a:t>
+            </a:r>
+            <a:r>
+              <a:rPr lang="en-US" sz="2000" dirty="0" smtClean="0">
+                <a:latin typeface="Calibri" pitchFamily="34" charset="0"/>
+              </a:rPr>
+              <a:t>REPL-</a:t>
+            </a:r>
+            <a:r>
+              <a:rPr lang="ru-RU" sz="2000" dirty="0" smtClean="0">
+                <a:latin typeface="Calibri" pitchFamily="34" charset="0"/>
+              </a:rPr>
+              <a:t>сессии используется двойное </a:t>
+            </a:r>
+            <a:r>
+              <a:rPr lang="en-US" sz="2000" dirty="0" smtClean="0">
+                <a:latin typeface="Calibri" pitchFamily="34" charset="0"/>
+              </a:rPr>
+              <a:t/>
+            </a:r>
+            <a:br>
+              <a:rPr lang="en-US" sz="2000" dirty="0" smtClean="0">
+                <a:latin typeface="Calibri" pitchFamily="34" charset="0"/>
+              </a:rPr>
+            </a:br>
+            <a:r>
+              <a:rPr lang="ru-RU" sz="2000" dirty="0" smtClean="0">
+                <a:latin typeface="Calibri" pitchFamily="34" charset="0"/>
+              </a:rPr>
+              <a:t>нажатие комбинации клавиш </a:t>
+            </a:r>
+            <a:r>
+              <a:rPr lang="en-US" sz="2000" b="1" dirty="0" err="1" smtClean="0">
+                <a:latin typeface="Calibri" pitchFamily="34" charset="0"/>
+              </a:rPr>
+              <a:t>Ctrl+C</a:t>
+            </a:r>
+            <a:r>
+              <a:rPr lang="en-US" sz="2000" dirty="0" smtClean="0">
+                <a:latin typeface="Calibri" pitchFamily="34" charset="0"/>
+              </a:rPr>
+              <a:t> </a:t>
+            </a:r>
+            <a:r>
+              <a:rPr lang="ru-RU" sz="2000" dirty="0" smtClean="0">
+                <a:latin typeface="Calibri" pitchFamily="34" charset="0"/>
+              </a:rPr>
+              <a:t>или команда </a:t>
+            </a:r>
+            <a:r>
+              <a:rPr lang="en-US" sz="2000" b="1" dirty="0" smtClean="0">
+                <a:latin typeface="Calibri" pitchFamily="34" charset="0"/>
+              </a:rPr>
+              <a:t>.exit </a:t>
+            </a:r>
+          </a:p>
+          <a:p>
+            <a:pPr marL="180000">
+              <a:buFont typeface="Arial" pitchFamily="34" charset="0"/>
+              <a:buChar char="•"/>
+            </a:pPr>
             <a:endParaRPr lang="en-US" sz="2000" b="1" dirty="0" smtClean="0">
               <a:latin typeface="Calibri" pitchFamily="34" charset="0"/>
             </a:endParaRPr>
@@ -3163,118 +3127,35 @@
               <a:buChar char="•"/>
             </a:pPr>
             <a:r>
+              <a:rPr lang="ru-RU" sz="2000" b="1" dirty="0" smtClean="0">
+                <a:latin typeface="Calibri" pitchFamily="34" charset="0"/>
+              </a:rPr>
+              <a:t> </a:t>
+            </a:r>
+            <a:r>
+              <a:rPr lang="ru-RU" sz="2000" dirty="0" smtClean="0">
+                <a:latin typeface="Calibri" pitchFamily="34" charset="0"/>
+              </a:rPr>
+              <a:t>Команда </a:t>
+            </a:r>
+            <a:r>
+              <a:rPr lang="en-US" sz="2000" b="1" dirty="0" smtClean="0">
+                <a:latin typeface="Calibri" pitchFamily="34" charset="0"/>
+              </a:rPr>
+              <a:t>.help </a:t>
+            </a:r>
+            <a:r>
+              <a:rPr lang="ru-RU" sz="2000" dirty="0" smtClean="0">
+                <a:latin typeface="Calibri" pitchFamily="34" charset="0"/>
+              </a:rPr>
+              <a:t>показывает список всех специальных команд интерактивной оболочки</a:t>
+            </a:r>
+            <a:r>
               <a:rPr lang="en-US" sz="2000" dirty="0" smtClean="0">
                 <a:latin typeface="Calibri" pitchFamily="34" charset="0"/>
               </a:rPr>
-              <a:t> </a:t>
-            </a:r>
-            <a:r>
-              <a:rPr lang="ru-RU" sz="2000" dirty="0" smtClean="0">
-                <a:latin typeface="Calibri" pitchFamily="34" charset="0"/>
-              </a:rPr>
-              <a:t>Для завершения </a:t>
-            </a:r>
-            <a:r>
-              <a:rPr lang="en-US" sz="2000" dirty="0" smtClean="0">
-                <a:latin typeface="Calibri" pitchFamily="34" charset="0"/>
-              </a:rPr>
-              <a:t>REPL-</a:t>
-            </a:r>
-            <a:r>
-              <a:rPr lang="ru-RU" sz="2000" dirty="0" smtClean="0">
-                <a:latin typeface="Calibri" pitchFamily="34" charset="0"/>
-              </a:rPr>
-              <a:t>сессии используется двойное </a:t>
-            </a:r>
-            <a:r>
-              <a:rPr lang="en-US" sz="2000" dirty="0" smtClean="0">
-                <a:latin typeface="Calibri" pitchFamily="34" charset="0"/>
-              </a:rPr>
-              <a:t/>
-            </a:r>
-            <a:br>
-              <a:rPr lang="en-US" sz="2000" dirty="0" smtClean="0">
-                <a:latin typeface="Calibri" pitchFamily="34" charset="0"/>
-              </a:rPr>
-            </a:br>
-            <a:r>
-              <a:rPr lang="ru-RU" sz="2000" dirty="0" smtClean="0">
-                <a:latin typeface="Calibri" pitchFamily="34" charset="0"/>
-              </a:rPr>
-              <a:t>нажатие комбинации клавиш </a:t>
-            </a:r>
-            <a:r>
-              <a:rPr lang="en-US" sz="2000" b="1" dirty="0" err="1" smtClean="0">
-                <a:latin typeface="Calibri" pitchFamily="34" charset="0"/>
-              </a:rPr>
-              <a:t>Ctrl+C</a:t>
-            </a:r>
-            <a:r>
-              <a:rPr lang="en-US" sz="2000" dirty="0" smtClean="0">
-                <a:latin typeface="Calibri" pitchFamily="34" charset="0"/>
-              </a:rPr>
-              <a:t> </a:t>
-            </a:r>
-            <a:r>
-              <a:rPr lang="ru-RU" sz="2000" dirty="0" smtClean="0">
-                <a:latin typeface="Calibri" pitchFamily="34" charset="0"/>
-              </a:rPr>
-              <a:t>или команда </a:t>
-            </a:r>
-            <a:r>
-              <a:rPr lang="en-US" sz="2000" b="1" dirty="0" smtClean="0">
-                <a:latin typeface="Calibri" pitchFamily="34" charset="0"/>
-              </a:rPr>
-              <a:t>.exit </a:t>
-            </a:r>
-          </a:p>
-          <a:p>
-            <a:pPr marL="180000">
-              <a:buFont typeface="Arial" pitchFamily="34" charset="0"/>
-              <a:buChar char="•"/>
-            </a:pPr>
-            <a:endParaRPr lang="en-US" sz="2000" b="1" dirty="0" smtClean="0">
-              <a:latin typeface="Calibri" pitchFamily="34" charset="0"/>
-            </a:endParaRPr>
-          </a:p>
-          <a:p>
-            <a:pPr marL="180000">
-              <a:buFont typeface="Arial" pitchFamily="34" charset="0"/>
-              <a:buChar char="•"/>
-            </a:pPr>
-            <a:r>
-              <a:rPr lang="ru-RU" sz="2000" b="1" dirty="0" smtClean="0">
-                <a:latin typeface="Calibri" pitchFamily="34" charset="0"/>
-              </a:rPr>
-              <a:t> </a:t>
-            </a:r>
-            <a:r>
-              <a:rPr lang="ru-RU" sz="2000" dirty="0" smtClean="0">
-                <a:latin typeface="Calibri" pitchFamily="34" charset="0"/>
-              </a:rPr>
-              <a:t>Команда </a:t>
-            </a:r>
-            <a:r>
-              <a:rPr lang="en-US" sz="2000" b="1" dirty="0" smtClean="0">
-                <a:latin typeface="Calibri" pitchFamily="34" charset="0"/>
-              </a:rPr>
-              <a:t>.help </a:t>
-            </a:r>
-            <a:r>
-              <a:rPr lang="ru-RU" sz="2000" dirty="0" smtClean="0">
-                <a:latin typeface="Calibri" pitchFamily="34" charset="0"/>
-              </a:rPr>
-              <a:t>показывает список всех специальных команд интерактивной оболочки</a:t>
-            </a:r>
-            <a:r>
-              <a:rPr lang="en-US" sz="2000" dirty="0" smtClean="0">
-                <a:latin typeface="Calibri" pitchFamily="34" charset="0"/>
-              </a:rPr>
               <a:t> Node</a:t>
             </a:r>
-            <a:endParaRPr lang="en-US" sz="2000" dirty="0" smtClean="0">
-              <a:latin typeface="Calibri" pitchFamily="34" charset="0"/>
-            </a:endParaRPr>
           </a:p>
         </p:txBody>
       </p:sp>
@@ -4128,13 +4009,7 @@
               <a:rPr lang="ru-RU" dirty="0" smtClean="0">
                 <a:latin typeface="Calibri" pitchFamily="34" charset="0"/>
               </a:rPr>
-              <a:t>Основные </a:t>
-            </a:r>
-            <a:r>
-              <a:rPr lang="ru-RU" dirty="0" smtClean="0">
-                <a:latin typeface="Calibri" pitchFamily="34" charset="0"/>
-              </a:rPr>
-              <a:t>модули </a:t>
+              <a:t>Основные модули </a:t>
             </a:r>
             <a:r>
               <a:rPr lang="en-US" dirty="0" err="1" smtClean="0">

--- a/004_Node/lesson_28/Presentation/Console_program.pptx
+++ b/004_Node/lesson_28/Presentation/Console_program.pptx
@@ -109,6 +109,22 @@
       </a:defRPr>
     </a:lvl9pPr>
   </p:defaultTextStyle>
+  <p:extLst>
+    <p:ext uri="{EFAFB233-063F-42B5-8137-9DF3F51BA10A}">
+      <p15:sldGuideLst xmlns:p15="http://schemas.microsoft.com/office/powerpoint/2012/main">
+        <p15:guide id="1" orient="horz" pos="2160">
+          <p15:clr>
+            <a:srgbClr val="A4A3A4"/>
+          </p15:clr>
+        </p15:guide>
+        <p15:guide id="2" pos="2880">
+          <p15:clr>
+            <a:srgbClr val="A4A3A4"/>
+          </p15:clr>
+        </p15:guide>
+      </p15:sldGuideLst>
+    </p:ext>
+  </p:extLst>
 </p:presentation>
 </file>
 
@@ -167,10 +183,9 @@
           </a:lstStyle>
           <a:p>
             <a:r>
-              <a:rPr lang="en-US" dirty="0" smtClean="0"/>
+              <a:rPr lang="en-US" dirty="0"/>
               <a:t>title style</a:t>
             </a:r>
-            <a:endParaRPr lang="en-US" dirty="0"/>
           </a:p>
         </p:txBody>
       </p:sp>
@@ -290,7 +305,7 @@
           </a:lstStyle>
           <a:p>
             <a:r>
-              <a:rPr lang="ru-RU" smtClean="0"/>
+              <a:rPr lang="ru-RU"/>
               <a:t>Образец подзаголовка</a:t>
             </a:r>
             <a:endParaRPr lang="en-US" dirty="0"/>
@@ -619,20 +634,13 @@
     </p:spTree>
     <p:extLst>
       <p:ext uri="{BB962C8B-B14F-4D97-AF65-F5344CB8AC3E}">
-        <p14:creationId xmlns:p14="http://schemas.microsoft.com/office/powerpoint/2010/main" xmlns="" val="3537187278"/>
+        <p14:creationId xmlns:p14="http://schemas.microsoft.com/office/powerpoint/2010/main" val="3537187278"/>
       </p:ext>
     </p:extLst>
   </p:cSld>
   <p:clrMapOvr>
     <a:overrideClrMapping bg1="lt1" tx1="dk1" bg2="lt2" tx2="dk2" accent1="accent1" accent2="accent2" accent3="accent3" accent4="accent4" accent5="accent5" accent6="accent6" hlink="hlink" folHlink="folHlink"/>
   </p:clrMapOvr>
-  <p:timing>
-    <p:tnLst>
-      <p:par>
-        <p:cTn id="1" dur="indefinite" restart="never" nodeType="tmRoot"/>
-      </p:par>
-    </p:tnLst>
-  </p:timing>
 </p:sldLayout>
 </file>
 
@@ -665,7 +673,7 @@
           <a:blip r:embed="rId2" cstate="print">
             <a:extLst>
               <a:ext uri="{28A0092B-C50C-407E-A947-70E740481C1C}">
-                <a14:useLocalDpi xmlns:a14="http://schemas.microsoft.com/office/drawing/2010/main" xmlns="" val="0"/>
+                <a14:useLocalDpi xmlns:a14="http://schemas.microsoft.com/office/drawing/2010/main" val="0"/>
               </a:ext>
             </a:extLst>
           </a:blip>
@@ -689,14 +697,14 @@
           <a:effectLst/>
           <a:extLst>
             <a:ext uri="{909E8E84-426E-40DD-AFC4-6F175D3DCCD1}">
-              <a14:hiddenFill xmlns:a14="http://schemas.microsoft.com/office/drawing/2010/main" xmlns="">
+              <a14:hiddenFill xmlns:a14="http://schemas.microsoft.com/office/drawing/2010/main">
                 <a:solidFill>
                   <a:schemeClr val="accent1"/>
                 </a:solidFill>
               </a14:hiddenFill>
             </a:ext>
             <a:ext uri="{91240B29-F687-4F45-9708-019B960494DF}">
-              <a14:hiddenLine xmlns:a14="http://schemas.microsoft.com/office/drawing/2010/main" xmlns="" w="9525">
+              <a14:hiddenLine xmlns:a14="http://schemas.microsoft.com/office/drawing/2010/main" w="9525">
                 <a:solidFill>
                   <a:schemeClr val="tx1"/>
                 </a:solidFill>
@@ -706,7 +714,7 @@
               </a14:hiddenLine>
             </a:ext>
             <a:ext uri="{AF507438-7753-43E0-B8FC-AC1667EBCBE1}">
-              <a14:hiddenEffects xmlns:a14="http://schemas.microsoft.com/office/drawing/2010/main" xmlns="">
+              <a14:hiddenEffects xmlns:a14="http://schemas.microsoft.com/office/drawing/2010/main">
                 <a:effectLst>
                   <a:outerShdw dist="35921" dir="2700000" algn="ctr" rotWithShape="0">
                     <a:schemeClr val="bg2"/>
@@ -801,7 +809,7 @@
           </a:lstStyle>
           <a:p>
             <a:r>
-              <a:rPr lang="ru-RU" smtClean="0"/>
+              <a:rPr lang="ru-RU"/>
               <a:t>Образец заголовка</a:t>
             </a:r>
             <a:endParaRPr lang="en-US" dirty="0"/>
@@ -838,7 +846,7 @@
           <a:p>
             <a:pPr lvl="4"/>
             <a:r>
-              <a:rPr lang="en-US" dirty="0" smtClean="0"/>
+              <a:rPr lang="en-US" dirty="0"/>
               <a:t>Subtitle</a:t>
             </a:r>
           </a:p>
@@ -847,20 +855,13 @@
     </p:spTree>
     <p:extLst>
       <p:ext uri="{BB962C8B-B14F-4D97-AF65-F5344CB8AC3E}">
-        <p14:creationId xmlns:p14="http://schemas.microsoft.com/office/powerpoint/2010/main" xmlns="" val="2097366919"/>
+        <p14:creationId xmlns:p14="http://schemas.microsoft.com/office/powerpoint/2010/main" val="2097366919"/>
       </p:ext>
     </p:extLst>
   </p:cSld>
   <p:clrMapOvr>
     <a:masterClrMapping/>
   </p:clrMapOvr>
-  <p:timing>
-    <p:tnLst>
-      <p:par>
-        <p:cTn id="1" dur="indefinite" restart="never" nodeType="tmRoot"/>
-      </p:par>
-    </p:tnLst>
-  </p:timing>
 </p:sldLayout>
 </file>
 
@@ -919,10 +920,9 @@
           </a:lstStyle>
           <a:p>
             <a:r>
-              <a:rPr lang="en-US" dirty="0" smtClean="0"/>
+              <a:rPr lang="en-US" dirty="0"/>
               <a:t>title style</a:t>
             </a:r>
-            <a:endParaRPr lang="en-US" dirty="0"/>
           </a:p>
         </p:txBody>
       </p:sp>
@@ -1042,10 +1042,9 @@
           </a:lstStyle>
           <a:p>
             <a:r>
-              <a:rPr lang="en-US" dirty="0" smtClean="0"/>
+              <a:rPr lang="en-US" dirty="0"/>
               <a:t>Click to edit Master subtitle style</a:t>
             </a:r>
-            <a:endParaRPr lang="en-US" dirty="0"/>
           </a:p>
         </p:txBody>
       </p:sp>
@@ -1371,20 +1370,13 @@
     </p:spTree>
     <p:extLst>
       <p:ext uri="{BB962C8B-B14F-4D97-AF65-F5344CB8AC3E}">
-        <p14:creationId xmlns:p14="http://schemas.microsoft.com/office/powerpoint/2010/main" xmlns="" val="3537187278"/>
+        <p14:creationId xmlns:p14="http://schemas.microsoft.com/office/powerpoint/2010/main" val="3537187278"/>
       </p:ext>
     </p:extLst>
   </p:cSld>
   <p:clrMapOvr>
     <a:overrideClrMapping bg1="lt1" tx1="dk1" bg2="lt2" tx2="dk2" accent1="accent1" accent2="accent2" accent3="accent3" accent4="accent4" accent5="accent5" accent6="accent6" hlink="hlink" folHlink="folHlink"/>
   </p:clrMapOvr>
-  <p:timing>
-    <p:tnLst>
-      <p:par>
-        <p:cTn id="1" dur="indefinite" restart="never" nodeType="tmRoot"/>
-      </p:par>
-    </p:tnLst>
-  </p:timing>
 </p:sldLayout>
 </file>
 
@@ -1417,7 +1409,7 @@
           <a:blip r:embed="rId2" cstate="print">
             <a:extLst>
               <a:ext uri="{28A0092B-C50C-407E-A947-70E740481C1C}">
-                <a14:useLocalDpi xmlns:a14="http://schemas.microsoft.com/office/drawing/2010/main" xmlns="" val="0"/>
+                <a14:useLocalDpi xmlns:a14="http://schemas.microsoft.com/office/drawing/2010/main" val="0"/>
               </a:ext>
             </a:extLst>
           </a:blip>
@@ -1441,14 +1433,14 @@
           <a:effectLst/>
           <a:extLst>
             <a:ext uri="{909E8E84-426E-40DD-AFC4-6F175D3DCCD1}">
-              <a14:hiddenFill xmlns:a14="http://schemas.microsoft.com/office/drawing/2010/main" xmlns="">
+              <a14:hiddenFill xmlns:a14="http://schemas.microsoft.com/office/drawing/2010/main">
                 <a:solidFill>
                   <a:schemeClr val="accent1"/>
                 </a:solidFill>
               </a14:hiddenFill>
             </a:ext>
             <a:ext uri="{91240B29-F687-4F45-9708-019B960494DF}">
-              <a14:hiddenLine xmlns:a14="http://schemas.microsoft.com/office/drawing/2010/main" xmlns="" w="9525">
+              <a14:hiddenLine xmlns:a14="http://schemas.microsoft.com/office/drawing/2010/main" w="9525">
                 <a:solidFill>
                   <a:schemeClr val="tx1"/>
                 </a:solidFill>
@@ -1458,7 +1450,7 @@
               </a14:hiddenLine>
             </a:ext>
             <a:ext uri="{AF507438-7753-43E0-B8FC-AC1667EBCBE1}">
-              <a14:hiddenEffects xmlns:a14="http://schemas.microsoft.com/office/drawing/2010/main" xmlns="">
+              <a14:hiddenEffects xmlns:a14="http://schemas.microsoft.com/office/drawing/2010/main">
                 <a:effectLst>
                   <a:outerShdw dist="35921" dir="2700000" algn="ctr" rotWithShape="0">
                     <a:schemeClr val="bg2"/>
@@ -1553,10 +1545,9 @@
           </a:lstStyle>
           <a:p>
             <a:r>
-              <a:rPr lang="en-US" dirty="0" smtClean="0"/>
+              <a:rPr lang="en-US" dirty="0"/>
               <a:t>Click to edit Master title style</a:t>
             </a:r>
-            <a:endParaRPr lang="en-US" dirty="0"/>
           </a:p>
         </p:txBody>
       </p:sp>
@@ -1590,7 +1581,7 @@
           <a:p>
             <a:pPr lvl="4"/>
             <a:r>
-              <a:rPr lang="en-US" dirty="0" smtClean="0"/>
+              <a:rPr lang="en-US" dirty="0"/>
               <a:t>Subtitle</a:t>
             </a:r>
           </a:p>
@@ -1599,20 +1590,13 @@
     </p:spTree>
     <p:extLst>
       <p:ext uri="{BB962C8B-B14F-4D97-AF65-F5344CB8AC3E}">
-        <p14:creationId xmlns:p14="http://schemas.microsoft.com/office/powerpoint/2010/main" xmlns="" val="2097366919"/>
+        <p14:creationId xmlns:p14="http://schemas.microsoft.com/office/powerpoint/2010/main" val="2097366919"/>
       </p:ext>
     </p:extLst>
   </p:cSld>
   <p:clrMapOvr>
     <a:masterClrMapping/>
   </p:clrMapOvr>
-  <p:timing>
-    <p:tnLst>
-      <p:par>
-        <p:cTn id="1" dur="indefinite" restart="never" nodeType="tmRoot"/>
-      </p:par>
-    </p:tnLst>
-  </p:timing>
 </p:sldLayout>
 </file>
 
@@ -1664,7 +1648,7 @@
           <a:lstStyle/>
           <a:p>
             <a:r>
-              <a:rPr lang="ru-RU" smtClean="0"/>
+              <a:rPr lang="ru-RU"/>
               <a:t>Образец заголовка</a:t>
             </a:r>
             <a:endParaRPr lang="en-US"/>
@@ -1674,7 +1658,7 @@
     </p:spTree>
     <p:extLst>
       <p:ext uri="{BB962C8B-B14F-4D97-AF65-F5344CB8AC3E}">
-        <p14:creationId xmlns:p14="http://schemas.microsoft.com/office/powerpoint/2010/main" xmlns="" val="779007194"/>
+        <p14:creationId xmlns:p14="http://schemas.microsoft.com/office/powerpoint/2010/main" val="779007194"/>
       </p:ext>
     </p:extLst>
   </p:cSld>
@@ -1685,13 +1669,6 @@
     <p:sldLayoutId id="2147483665" r:id="rId3"/>
     <p:sldLayoutId id="2147483666" r:id="rId4"/>
   </p:sldLayoutIdLst>
-  <p:timing>
-    <p:tnLst>
-      <p:par>
-        <p:cTn id="1" dur="indefinite" restart="never" nodeType="tmRoot"/>
-      </p:par>
-    </p:tnLst>
-  </p:timing>
   <p:txStyles>
     <p:titleStyle>
       <a:lvl1pPr algn="ctr" defTabSz="914400" rtl="0" eaLnBrk="1" latinLnBrk="0" hangingPunct="1">
@@ -2033,7 +2010,7 @@
           <a:lstStyle/>
           <a:p>
             <a:r>
-              <a:rPr lang="en-US" sz="2700" dirty="0" err="1" smtClean="0">
+              <a:rPr lang="en-US" sz="2700" dirty="0" err="1">
                 <a:solidFill>
                   <a:schemeClr val="bg1"/>
                 </a:solidFill>
@@ -2077,7 +2054,7 @@
           <a:lstStyle/>
           <a:p>
             <a:r>
-              <a:rPr lang="ru-RU" sz="4400" dirty="0" smtClean="0">
+              <a:rPr lang="ru-RU" sz="4400" dirty="0">
                 <a:solidFill>
                   <a:srgbClr val="7564BC"/>
                 </a:solidFill>
@@ -2209,7 +2186,7 @@
           </a:lstStyle>
           <a:p>
             <a:r>
-              <a:rPr lang="en-US" sz="3200" b="1" dirty="0" smtClean="0">
+              <a:rPr lang="en-US" sz="3200" b="1" dirty="0">
                 <a:solidFill>
                   <a:schemeClr val="tx1">
                     <a:lumMod val="90000"/>
@@ -2222,17 +2199,6 @@
               </a:rPr>
               <a:t>Node JS</a:t>
             </a:r>
-            <a:endParaRPr lang="en-US" sz="3200" b="1" dirty="0">
-              <a:solidFill>
-                <a:schemeClr val="tx1">
-                  <a:lumMod val="90000"/>
-                  <a:lumOff val="10000"/>
-                </a:schemeClr>
-              </a:solidFill>
-              <a:latin typeface="Calibri" pitchFamily="34" charset="0"/>
-              <a:ea typeface="Roboto Light" panose="02000000000000000000" pitchFamily="2" charset="0"/>
-              <a:cs typeface="Roboto Light" panose="02000000000000000000" pitchFamily="2" charset="0"/>
-            </a:endParaRPr>
           </a:p>
         </p:txBody>
       </p:sp>
@@ -2263,20 +2229,13 @@
     </p:spTree>
     <p:extLst>
       <p:ext uri="{BB962C8B-B14F-4D97-AF65-F5344CB8AC3E}">
-        <p14:creationId xmlns:p14="http://schemas.microsoft.com/office/powerpoint/2010/main" xmlns="" val="3436223543"/>
+        <p14:creationId xmlns:p14="http://schemas.microsoft.com/office/powerpoint/2010/main" val="3436223543"/>
       </p:ext>
     </p:extLst>
   </p:cSld>
   <p:clrMapOvr>
     <a:masterClrMapping/>
   </p:clrMapOvr>
-  <p:timing>
-    <p:tnLst>
-      <p:par>
-        <p:cTn id="1" dur="indefinite" restart="never" nodeType="tmRoot"/>
-      </p:par>
-    </p:tnLst>
-  </p:timing>
 </p:sld>
 </file>
 
@@ -2313,7 +2272,7 @@
           <a:lstStyle/>
           <a:p>
             <a:r>
-              <a:rPr lang="en-US" dirty="0" smtClean="0">
+              <a:rPr lang="en-US" dirty="0">
                 <a:latin typeface="Calibri" pitchFamily="34" charset="0"/>
               </a:rPr>
               <a:t>npm</a:t>
@@ -2348,85 +2307,85 @@
           <a:p>
             <a:pPr algn="just"/>
             <a:r>
-              <a:rPr lang="ru-RU" dirty="0" smtClean="0">
+              <a:rPr lang="ru-RU" dirty="0">
                 <a:latin typeface="Calibri" pitchFamily="34" charset="0"/>
               </a:rPr>
               <a:t>По умолчанию </a:t>
             </a:r>
             <a:r>
-              <a:rPr lang="en-US" dirty="0" smtClean="0">
+              <a:rPr lang="en-US" dirty="0">
                 <a:latin typeface="Calibri" pitchFamily="34" charset="0"/>
               </a:rPr>
               <a:t>npm </a:t>
             </a:r>
             <a:r>
-              <a:rPr lang="ru-RU" dirty="0" smtClean="0">
+              <a:rPr lang="ru-RU" dirty="0">
                 <a:latin typeface="Calibri" pitchFamily="34" charset="0"/>
               </a:rPr>
               <a:t>работает с пакетами в </a:t>
             </a:r>
             <a:r>
-              <a:rPr lang="ru-RU" b="1" dirty="0" smtClean="0">
+              <a:rPr lang="ru-RU" b="1" dirty="0">
                 <a:latin typeface="Calibri" pitchFamily="34" charset="0"/>
               </a:rPr>
               <a:t>локальном</a:t>
             </a:r>
             <a:r>
-              <a:rPr lang="ru-RU" dirty="0" smtClean="0">
+              <a:rPr lang="ru-RU" dirty="0">
                 <a:latin typeface="Calibri" pitchFamily="34" charset="0"/>
               </a:rPr>
               <a:t> режиме. Для работы в глобальном режиме используется опция</a:t>
             </a:r>
             <a:r>
-              <a:rPr lang="ru-RU" b="1" dirty="0" smtClean="0">
+              <a:rPr lang="ru-RU" b="1" dirty="0">
                 <a:latin typeface="Calibri" pitchFamily="34" charset="0"/>
               </a:rPr>
               <a:t> </a:t>
             </a:r>
             <a:r>
-              <a:rPr lang="en-US" b="1" dirty="0" smtClean="0">
-                <a:latin typeface="Calibri" pitchFamily="34" charset="0"/>
-              </a:rPr>
-              <a:t>–g</a:t>
-            </a:r>
-            <a:r>
-              <a:rPr lang="en-US" dirty="0" smtClean="0">
+              <a:rPr lang="en-US" b="1" dirty="0">
+                <a:latin typeface="Calibri" pitchFamily="34" charset="0"/>
+              </a:rPr>
+              <a:t>– g</a:t>
+            </a:r>
+            <a:r>
+              <a:rPr lang="en-US" dirty="0">
                 <a:latin typeface="Calibri" pitchFamily="34" charset="0"/>
               </a:rPr>
               <a:t>. </a:t>
             </a:r>
           </a:p>
           <a:p>
-            <a:endParaRPr lang="ru-RU" b="1" dirty="0" smtClean="0">
+            <a:endParaRPr lang="ru-RU" b="1" dirty="0">
               <a:latin typeface="Calibri" pitchFamily="34" charset="0"/>
             </a:endParaRPr>
           </a:p>
           <a:p>
-            <a:endParaRPr lang="ru-RU" b="1" dirty="0" smtClean="0">
+            <a:endParaRPr lang="ru-RU" b="1" dirty="0">
               <a:latin typeface="Calibri" pitchFamily="34" charset="0"/>
             </a:endParaRPr>
           </a:p>
           <a:p>
             <a:r>
-              <a:rPr lang="ru-RU" dirty="0" smtClean="0">
+              <a:rPr lang="ru-RU" dirty="0">
                 <a:latin typeface="Calibri" pitchFamily="34" charset="0"/>
               </a:rPr>
               <a:t>Часто используемые команды при работе с </a:t>
             </a:r>
             <a:r>
-              <a:rPr lang="ru-RU" dirty="0" err="1" smtClean="0">
+              <a:rPr lang="ru-RU" dirty="0" err="1">
                 <a:latin typeface="Calibri" pitchFamily="34" charset="0"/>
               </a:rPr>
               <a:t>npm</a:t>
             </a:r>
             <a:r>
-              <a:rPr lang="ru-RU" dirty="0" smtClean="0">
+              <a:rPr lang="ru-RU" dirty="0">
                 <a:latin typeface="Calibri" pitchFamily="34" charset="0"/>
               </a:rPr>
               <a:t> </a:t>
             </a:r>
             <a:r>
-              <a:rPr lang="en-US" dirty="0" smtClean="0">
+              <a:rPr lang="en-US" dirty="0">
                 <a:latin typeface="Calibri" pitchFamily="34" charset="0"/>
               </a:rPr>
               <a:t>: </a:t>
@@ -2512,31 +2471,31 @@
           <a:p>
             <a:pPr algn="just"/>
             <a:r>
-              <a:rPr lang="en-US" b="1" dirty="0" err="1" smtClean="0">
+              <a:rPr lang="en-US" b="1" dirty="0" err="1">
                 <a:latin typeface="Calibri" pitchFamily="34" charset="0"/>
               </a:rPr>
               <a:t>npm</a:t>
             </a:r>
             <a:r>
-              <a:rPr lang="en-US" dirty="0" smtClean="0">
+              <a:rPr lang="en-US" dirty="0">
                 <a:latin typeface="Calibri" pitchFamily="34" charset="0"/>
               </a:rPr>
               <a:t>(Node Package Manager) - </a:t>
             </a:r>
             <a:r>
-              <a:rPr lang="ru-RU" dirty="0" smtClean="0">
+              <a:rPr lang="ru-RU" dirty="0">
                 <a:latin typeface="Calibri" pitchFamily="34" charset="0"/>
               </a:rPr>
               <a:t> это пакетный менеджер созданный для </a:t>
             </a:r>
             <a:r>
-              <a:rPr lang="ru-RU" dirty="0" err="1" smtClean="0">
+              <a:rPr lang="ru-RU" dirty="0" err="1">
                 <a:latin typeface="Calibri" pitchFamily="34" charset="0"/>
               </a:rPr>
               <a:t>NodeJs</a:t>
             </a:r>
             <a:r>
-              <a:rPr lang="ru-RU" dirty="0" smtClean="0">
+              <a:rPr lang="ru-RU" dirty="0">
                 <a:latin typeface="Calibri" pitchFamily="34" charset="0"/>
               </a:rPr>
               <a:t>, который позволяет управлять модулями и зависимостями при создании приложений. </a:t>
@@ -2574,37 +2533,37 @@
               <a:buChar char="•"/>
             </a:pPr>
             <a:r>
-              <a:rPr lang="ru-RU" dirty="0" smtClean="0">
+              <a:rPr lang="ru-RU" dirty="0">
                 <a:latin typeface="Calibri" pitchFamily="34" charset="0"/>
               </a:rPr>
               <a:t> </a:t>
             </a:r>
             <a:r>
-              <a:rPr lang="en-US" dirty="0" smtClean="0">
+              <a:rPr lang="en-US" dirty="0">
                 <a:latin typeface="Calibri" pitchFamily="34" charset="0"/>
               </a:rPr>
               <a:t>npm install *</a:t>
             </a:r>
             <a:r>
-              <a:rPr lang="en-US" dirty="0" err="1" smtClean="0">
+              <a:rPr lang="en-US" dirty="0" err="1">
                 <a:latin typeface="Calibri" pitchFamily="34" charset="0"/>
               </a:rPr>
               <a:t>package_name</a:t>
             </a:r>
             <a:r>
-              <a:rPr lang="en-US" dirty="0" smtClean="0">
+              <a:rPr lang="en-US" dirty="0">
                 <a:latin typeface="Calibri" pitchFamily="34" charset="0"/>
               </a:rPr>
               <a:t>* - </a:t>
             </a:r>
             <a:r>
-              <a:rPr lang="ru-RU" dirty="0" smtClean="0">
+              <a:rPr lang="ru-RU" dirty="0">
                 <a:latin typeface="Calibri" pitchFamily="34" charset="0"/>
               </a:rPr>
               <a:t>установка пакета</a:t>
             </a:r>
             <a:r>
-              <a:rPr lang="en-US" dirty="0" smtClean="0">
+              <a:rPr lang="en-US" dirty="0">
                 <a:latin typeface="Calibri" pitchFamily="34" charset="0"/>
               </a:rPr>
               <a:t> </a:t>
@@ -2616,31 +2575,31 @@
               <a:buChar char="•"/>
             </a:pPr>
             <a:r>
-              <a:rPr lang="ru-RU" dirty="0" smtClean="0">
+              <a:rPr lang="ru-RU" dirty="0">
                 <a:latin typeface="Calibri" pitchFamily="34" charset="0"/>
               </a:rPr>
               <a:t> </a:t>
             </a:r>
             <a:r>
-              <a:rPr lang="en-US" dirty="0" smtClean="0">
+              <a:rPr lang="en-US" dirty="0">
                 <a:latin typeface="Calibri" pitchFamily="34" charset="0"/>
               </a:rPr>
               <a:t>npm install *</a:t>
             </a:r>
             <a:r>
-              <a:rPr lang="en-US" dirty="0" err="1" smtClean="0">
+              <a:rPr lang="en-US" dirty="0" err="1">
                 <a:latin typeface="Calibri" pitchFamily="34" charset="0"/>
               </a:rPr>
               <a:t>package_name</a:t>
             </a:r>
             <a:r>
-              <a:rPr lang="en-US" dirty="0" smtClean="0">
+              <a:rPr lang="en-US" dirty="0">
                 <a:latin typeface="Calibri" pitchFamily="34" charset="0"/>
               </a:rPr>
               <a:t>*@1.5.0 – </a:t>
             </a:r>
             <a:r>
-              <a:rPr lang="ru-RU" dirty="0" smtClean="0">
+              <a:rPr lang="ru-RU" dirty="0">
                 <a:latin typeface="Calibri" pitchFamily="34" charset="0"/>
               </a:rPr>
               <a:t>установка конкретной версии пакета</a:t>
@@ -2652,31 +2611,31 @@
               <a:buChar char="•"/>
             </a:pPr>
             <a:r>
-              <a:rPr lang="ru-RU" dirty="0" smtClean="0">
+              <a:rPr lang="ru-RU" dirty="0">
                 <a:latin typeface="Calibri" pitchFamily="34" charset="0"/>
               </a:rPr>
               <a:t> </a:t>
             </a:r>
             <a:r>
-              <a:rPr lang="en-US" dirty="0" smtClean="0">
+              <a:rPr lang="en-US" dirty="0">
                 <a:latin typeface="Calibri" pitchFamily="34" charset="0"/>
               </a:rPr>
               <a:t>npm search *</a:t>
             </a:r>
             <a:r>
-              <a:rPr lang="en-US" dirty="0" err="1" smtClean="0">
+              <a:rPr lang="en-US" dirty="0" err="1">
                 <a:latin typeface="Calibri" pitchFamily="34" charset="0"/>
               </a:rPr>
               <a:t>package_name</a:t>
             </a:r>
             <a:r>
-              <a:rPr lang="en-US" dirty="0" smtClean="0">
+              <a:rPr lang="en-US" dirty="0">
                 <a:latin typeface="Calibri" pitchFamily="34" charset="0"/>
               </a:rPr>
               <a:t>* - </a:t>
             </a:r>
             <a:r>
-              <a:rPr lang="ru-RU" dirty="0" smtClean="0">
+              <a:rPr lang="ru-RU" dirty="0">
                 <a:latin typeface="Calibri" pitchFamily="34" charset="0"/>
               </a:rPr>
               <a:t>поиск пакета </a:t>
@@ -2688,36 +2647,36 @@
               <a:buChar char="•"/>
             </a:pPr>
             <a:r>
-              <a:rPr lang="ru-RU" dirty="0" smtClean="0">
+              <a:rPr lang="ru-RU" dirty="0">
                 <a:latin typeface="Calibri" pitchFamily="34" charset="0"/>
               </a:rPr>
               <a:t> </a:t>
             </a:r>
             <a:r>
-              <a:rPr lang="en-US" dirty="0" smtClean="0">
+              <a:rPr lang="en-US" dirty="0">
                 <a:latin typeface="Calibri" pitchFamily="34" charset="0"/>
               </a:rPr>
               <a:t>npm uninstall *</a:t>
             </a:r>
             <a:r>
-              <a:rPr lang="en-US" dirty="0" err="1" smtClean="0">
+              <a:rPr lang="en-US" dirty="0" err="1">
                 <a:latin typeface="Calibri" pitchFamily="34" charset="0"/>
               </a:rPr>
               <a:t>package_name</a:t>
             </a:r>
             <a:r>
-              <a:rPr lang="en-US" dirty="0" smtClean="0">
+              <a:rPr lang="en-US" dirty="0">
                 <a:latin typeface="Calibri" pitchFamily="34" charset="0"/>
               </a:rPr>
               <a:t>* - </a:t>
             </a:r>
             <a:r>
-              <a:rPr lang="ru-RU" dirty="0" smtClean="0">
+              <a:rPr lang="ru-RU" dirty="0">
                 <a:latin typeface="Calibri" pitchFamily="34" charset="0"/>
               </a:rPr>
               <a:t>удаление пакета </a:t>
             </a:r>
-            <a:endParaRPr lang="en-US" dirty="0" smtClean="0">
+            <a:endParaRPr lang="en-US" dirty="0">
               <a:latin typeface="Calibri" pitchFamily="34" charset="0"/>
             </a:endParaRPr>
           </a:p>
@@ -2727,19 +2686,19 @@
               <a:buChar char="•"/>
             </a:pPr>
             <a:r>
-              <a:rPr lang="ru-RU" dirty="0" smtClean="0">
+              <a:rPr lang="ru-RU" dirty="0">
                 <a:latin typeface="Calibri" pitchFamily="34" charset="0"/>
               </a:rPr>
               <a:t> </a:t>
             </a:r>
             <a:r>
-              <a:rPr lang="en-US" dirty="0" smtClean="0">
+              <a:rPr lang="en-US" dirty="0">
                 <a:latin typeface="Calibri" pitchFamily="34" charset="0"/>
               </a:rPr>
               <a:t>npm list – </a:t>
             </a:r>
             <a:r>
-              <a:rPr lang="ru-RU" dirty="0" smtClean="0">
+              <a:rPr lang="ru-RU" dirty="0">
                 <a:latin typeface="Calibri" pitchFamily="34" charset="0"/>
               </a:rPr>
               <a:t>список установленных пакетов </a:t>
@@ -2751,42 +2710,42 @@
               <a:buChar char="•"/>
             </a:pPr>
             <a:r>
-              <a:rPr lang="ru-RU" dirty="0" smtClean="0">
+              <a:rPr lang="ru-RU" dirty="0">
                 <a:latin typeface="Calibri" pitchFamily="34" charset="0"/>
               </a:rPr>
               <a:t> </a:t>
             </a:r>
             <a:r>
-              <a:rPr lang="en-US" dirty="0" smtClean="0">
+              <a:rPr lang="en-US" dirty="0">
                 <a:latin typeface="Calibri" pitchFamily="34" charset="0"/>
               </a:rPr>
               <a:t>npm init – </a:t>
             </a:r>
             <a:r>
-              <a:rPr lang="ru-RU" dirty="0" smtClean="0">
+              <a:rPr lang="ru-RU" dirty="0">
                 <a:latin typeface="Calibri" pitchFamily="34" charset="0"/>
               </a:rPr>
               <a:t>создание файла </a:t>
             </a:r>
             <a:r>
-              <a:rPr lang="en-US" dirty="0" err="1" smtClean="0">
+              <a:rPr lang="en-US" dirty="0" err="1">
                 <a:latin typeface="Calibri" pitchFamily="34" charset="0"/>
               </a:rPr>
               <a:t>package.json</a:t>
             </a:r>
             <a:r>
-              <a:rPr lang="en-US" dirty="0" smtClean="0">
+              <a:rPr lang="en-US" dirty="0">
                 <a:latin typeface="Calibri" pitchFamily="34" charset="0"/>
               </a:rPr>
               <a:t> </a:t>
             </a:r>
             <a:r>
-              <a:rPr lang="ru-RU" dirty="0" smtClean="0">
+              <a:rPr lang="ru-RU" dirty="0">
                 <a:latin typeface="Calibri" pitchFamily="34" charset="0"/>
               </a:rPr>
               <a:t>для управления зависимостями </a:t>
             </a:r>
-            <a:endParaRPr lang="en-US" dirty="0" smtClean="0">
+            <a:endParaRPr lang="en-US" dirty="0">
               <a:latin typeface="Calibri" pitchFamily="34" charset="0"/>
             </a:endParaRPr>
           </a:p>
@@ -2796,30 +2755,30 @@
               <a:buChar char="•"/>
             </a:pPr>
             <a:r>
-              <a:rPr lang="en-US" dirty="0" smtClean="0">
+              <a:rPr lang="en-US" dirty="0">
                 <a:latin typeface="Calibri" pitchFamily="34" charset="0"/>
               </a:rPr>
               <a:t> npm init –y – </a:t>
             </a:r>
             <a:r>
-              <a:rPr lang="ru-RU" dirty="0" smtClean="0">
+              <a:rPr lang="ru-RU" dirty="0">
                 <a:latin typeface="Calibri" pitchFamily="34" charset="0"/>
               </a:rPr>
               <a:t>быстрое создание </a:t>
             </a:r>
             <a:r>
-              <a:rPr lang="en-US" dirty="0" err="1" smtClean="0">
+              <a:rPr lang="en-US" dirty="0" err="1">
                 <a:latin typeface="Calibri" pitchFamily="34" charset="0"/>
               </a:rPr>
               <a:t>package.json</a:t>
             </a:r>
             <a:r>
-              <a:rPr lang="en-US" dirty="0" smtClean="0">
+              <a:rPr lang="en-US" dirty="0">
                 <a:latin typeface="Calibri" pitchFamily="34" charset="0"/>
               </a:rPr>
               <a:t> </a:t>
             </a:r>
-            <a:endParaRPr lang="ru-RU" dirty="0" smtClean="0">
+            <a:endParaRPr lang="ru-RU" dirty="0">
               <a:latin typeface="Calibri" pitchFamily="34" charset="0"/>
             </a:endParaRPr>
           </a:p>
@@ -2866,7 +2825,7 @@
           <a:lstStyle/>
           <a:p>
             <a:r>
-              <a:rPr lang="en-US" dirty="0" smtClean="0">
+              <a:rPr lang="en-US" dirty="0">
                 <a:latin typeface="Calibri" pitchFamily="34" charset="0"/>
               </a:rPr>
               <a:t>Node REPL</a:t>
@@ -2904,61 +2863,61 @@
               <a:buChar char="•"/>
             </a:pPr>
             <a:r>
-              <a:rPr lang="en-US" sz="2000" b="1" dirty="0" smtClean="0">
+              <a:rPr lang="en-US" sz="2000" b="1" dirty="0">
                 <a:latin typeface="Calibri" pitchFamily="34" charset="0"/>
               </a:rPr>
               <a:t> </a:t>
             </a:r>
             <a:r>
-              <a:rPr lang="ru-RU" sz="2000" b="1" dirty="0" smtClean="0">
+              <a:rPr lang="ru-RU" sz="2000" b="1" dirty="0">
                 <a:latin typeface="Calibri" pitchFamily="34" charset="0"/>
               </a:rPr>
               <a:t>REPL</a:t>
             </a:r>
             <a:r>
-              <a:rPr lang="ru-RU" sz="2000" dirty="0" smtClean="0">
+              <a:rPr lang="ru-RU" sz="2000" dirty="0">
                 <a:latin typeface="Calibri" pitchFamily="34" charset="0"/>
               </a:rPr>
               <a:t> (</a:t>
             </a:r>
             <a:r>
-              <a:rPr lang="ru-RU" sz="2000" i="1" dirty="0" err="1" smtClean="0">
+              <a:rPr lang="ru-RU" sz="2000" i="1" dirty="0" err="1">
                 <a:latin typeface="Calibri" pitchFamily="34" charset="0"/>
               </a:rPr>
               <a:t>read-eval-print</a:t>
             </a:r>
             <a:r>
-              <a:rPr lang="ru-RU" sz="2000" i="1" dirty="0" smtClean="0">
+              <a:rPr lang="ru-RU" sz="2000" i="1" dirty="0">
                 <a:latin typeface="Calibri" pitchFamily="34" charset="0"/>
               </a:rPr>
               <a:t> </a:t>
             </a:r>
             <a:r>
-              <a:rPr lang="ru-RU" sz="2000" i="1" dirty="0" err="1" smtClean="0">
+              <a:rPr lang="ru-RU" sz="2000" i="1" dirty="0" err="1">
                 <a:latin typeface="Calibri" pitchFamily="34" charset="0"/>
               </a:rPr>
               <a:t>loop</a:t>
             </a:r>
             <a:r>
-              <a:rPr lang="ru-RU" sz="2000" dirty="0" smtClean="0">
+              <a:rPr lang="ru-RU" sz="2000" dirty="0">
                 <a:latin typeface="Calibri" pitchFamily="34" charset="0"/>
               </a:rPr>
               <a:t> — </a:t>
             </a:r>
             <a:r>
-              <a:rPr lang="ru-RU" sz="2000" i="1" dirty="0" smtClean="0">
+              <a:rPr lang="ru-RU" sz="2000" i="1" dirty="0">
                 <a:latin typeface="Calibri" pitchFamily="34" charset="0"/>
               </a:rPr>
               <a:t>цикл «чтение — вычисление — вывод»</a:t>
             </a:r>
             <a:r>
-              <a:rPr lang="ru-RU" sz="2000" dirty="0" smtClean="0">
+              <a:rPr lang="ru-RU" sz="2000" dirty="0">
                 <a:latin typeface="Calibri" pitchFamily="34" charset="0"/>
               </a:rPr>
               <a:t>) — форма организации простой интерактивной среды программирования в рамках средств интерфейса командной строки. </a:t>
             </a:r>
             <a:r>
-              <a:rPr lang="en-US" sz="2000" dirty="0" smtClean="0">
+              <a:rPr lang="en-US" sz="2000" dirty="0">
                 <a:latin typeface="Calibri" pitchFamily="34" charset="0"/>
               </a:rPr>
               <a:t> </a:t>
@@ -2969,7 +2928,7 @@
               <a:buFont typeface="Arial" pitchFamily="34" charset="0"/>
               <a:buChar char="•"/>
             </a:pPr>
-            <a:endParaRPr lang="en-US" sz="2000" dirty="0" smtClean="0">
+            <a:endParaRPr lang="en-US" sz="2000" dirty="0">
               <a:latin typeface="Calibri" pitchFamily="34" charset="0"/>
             </a:endParaRPr>
           </a:p>
@@ -2979,54 +2938,54 @@
               <a:buChar char="•"/>
             </a:pPr>
             <a:r>
-              <a:rPr lang="en-US" sz="2000" dirty="0" smtClean="0">
+              <a:rPr lang="en-US" sz="2000" dirty="0">
                 <a:latin typeface="Calibri" pitchFamily="34" charset="0"/>
               </a:rPr>
               <a:t> </a:t>
             </a:r>
             <a:r>
-              <a:rPr lang="ru-RU" sz="2000" dirty="0" smtClean="0">
+              <a:rPr lang="ru-RU" sz="2000" dirty="0">
                 <a:latin typeface="Calibri" pitchFamily="34" charset="0"/>
               </a:rPr>
               <a:t>Для запуска интерактивной оболочки</a:t>
             </a:r>
             <a:r>
-              <a:rPr lang="en-US" sz="2000" dirty="0" smtClean="0">
+              <a:rPr lang="en-US" sz="2000" dirty="0">
                 <a:latin typeface="Calibri" pitchFamily="34" charset="0"/>
               </a:rPr>
               <a:t>(REPL) </a:t>
             </a:r>
             <a:r>
-              <a:rPr lang="ru-RU" sz="2000" dirty="0" smtClean="0">
+              <a:rPr lang="ru-RU" sz="2000" dirty="0">
                 <a:latin typeface="Calibri" pitchFamily="34" charset="0"/>
               </a:rPr>
               <a:t>в </a:t>
             </a:r>
             <a:r>
-              <a:rPr lang="en-US" sz="2000" dirty="0" err="1" smtClean="0">
+              <a:rPr lang="en-US" sz="2000" dirty="0" err="1">
                 <a:latin typeface="Calibri" pitchFamily="34" charset="0"/>
               </a:rPr>
               <a:t>NodeJS</a:t>
             </a:r>
             <a:r>
-              <a:rPr lang="en-US" sz="2000" dirty="0" smtClean="0">
+              <a:rPr lang="en-US" sz="2000" dirty="0">
                 <a:latin typeface="Calibri" pitchFamily="34" charset="0"/>
               </a:rPr>
               <a:t> </a:t>
             </a:r>
             <a:br>
-              <a:rPr lang="en-US" sz="2000" dirty="0" smtClean="0">
+              <a:rPr lang="en-US" sz="2000" dirty="0">
                 <a:latin typeface="Calibri" pitchFamily="34" charset="0"/>
               </a:rPr>
             </a:br>
             <a:r>
-              <a:rPr lang="ru-RU" sz="2000" dirty="0" smtClean="0">
+              <a:rPr lang="ru-RU" sz="2000" dirty="0">
                 <a:latin typeface="Calibri" pitchFamily="34" charset="0"/>
               </a:rPr>
               <a:t>используется команда </a:t>
             </a:r>
             <a:r>
-              <a:rPr lang="en-US" sz="2000" b="1" dirty="0" smtClean="0">
+              <a:rPr lang="en-US" sz="2000" b="1" dirty="0">
                 <a:latin typeface="Calibri" pitchFamily="34" charset="0"/>
               </a:rPr>
               <a:t>node. </a:t>
@@ -3037,7 +2996,7 @@
               <a:buFont typeface="Arial" pitchFamily="34" charset="0"/>
               <a:buChar char="•"/>
             </a:pPr>
-            <a:endParaRPr lang="en-US" sz="2000" b="1" dirty="0" smtClean="0">
+            <a:endParaRPr lang="en-US" sz="2000" b="1" dirty="0">
               <a:latin typeface="Calibri" pitchFamily="34" charset="0"/>
             </a:endParaRPr>
           </a:p>
@@ -3047,66 +3006,60 @@
               <a:buChar char="•"/>
             </a:pPr>
             <a:r>
-              <a:rPr lang="en-US" sz="2000" dirty="0" smtClean="0">
+              <a:rPr lang="en-US" sz="2000" dirty="0">
                 <a:latin typeface="Calibri" pitchFamily="34" charset="0"/>
               </a:rPr>
               <a:t> </a:t>
             </a:r>
             <a:r>
-              <a:rPr lang="ru-RU" sz="2000" dirty="0" smtClean="0">
+              <a:rPr lang="ru-RU" sz="2000" dirty="0">
                 <a:latin typeface="Calibri" pitchFamily="34" charset="0"/>
               </a:rPr>
               <a:t>Для завершения </a:t>
             </a:r>
             <a:r>
-              <a:rPr lang="en-US" sz="2000" dirty="0" smtClean="0">
+              <a:rPr lang="en-US" sz="2000" dirty="0">
                 <a:latin typeface="Calibri" pitchFamily="34" charset="0"/>
               </a:rPr>
               <a:t>REPL-</a:t>
             </a:r>
             <a:r>
-              <a:rPr lang="ru-RU" sz="2000" dirty="0" smtClean="0">
+              <a:rPr lang="ru-RU" sz="2000" dirty="0">
                 <a:latin typeface="Calibri" pitchFamily="34" charset="0"/>
               </a:rPr>
               <a:t>сессии используется двойное </a:t>
             </a:r>
-            <a:r>
-              <a:rPr lang="en-US" sz="2000" dirty="0" smtClean="0">
-                <a:latin typeface="Calibri" pitchFamily="34" charset="0"/>
-              </a:rPr>
-              <a:t/>
-            </a:r>
             <a:br>
-              <a:rPr lang="en-US" sz="2000" dirty="0" smtClean="0">
+              <a:rPr lang="en-US" sz="2000" dirty="0">
                 <a:latin typeface="Calibri" pitchFamily="34" charset="0"/>
               </a:rPr>
             </a:br>
             <a:r>
-              <a:rPr lang="ru-RU" sz="2000" dirty="0" smtClean="0">
+              <a:rPr lang="ru-RU" sz="2000" dirty="0">
                 <a:latin typeface="Calibri" pitchFamily="34" charset="0"/>
               </a:rPr>
               <a:t>нажатие комбинации клавиш </a:t>
             </a:r>
             <a:r>
-              <a:rPr lang="en-US" sz="2000" b="1" dirty="0" err="1" smtClean="0">
+              <a:rPr lang="en-US" sz="2000" b="1" dirty="0" err="1">
                 <a:latin typeface="Calibri" pitchFamily="34" charset="0"/>
               </a:rPr>
               <a:t>Ctrl+C</a:t>
             </a:r>
             <a:r>
-              <a:rPr lang="en-US" sz="2000" dirty="0" smtClean="0">
+              <a:rPr lang="en-US" sz="2000" dirty="0">
                 <a:latin typeface="Calibri" pitchFamily="34" charset="0"/>
               </a:rPr>
               <a:t> </a:t>
             </a:r>
             <a:r>
-              <a:rPr lang="ru-RU" sz="2000" dirty="0" smtClean="0">
+              <a:rPr lang="ru-RU" sz="2000" dirty="0">
                 <a:latin typeface="Calibri" pitchFamily="34" charset="0"/>
               </a:rPr>
               <a:t>или команда </a:t>
             </a:r>
             <a:r>
-              <a:rPr lang="en-US" sz="2000" b="1" dirty="0" smtClean="0">
+              <a:rPr lang="en-US" sz="2000" b="1" dirty="0">
                 <a:latin typeface="Calibri" pitchFamily="34" charset="0"/>
               </a:rPr>
               <a:t>.exit </a:t>
@@ -3117,7 +3070,7 @@
               <a:buFont typeface="Arial" pitchFamily="34" charset="0"/>
               <a:buChar char="•"/>
             </a:pPr>
-            <a:endParaRPr lang="en-US" sz="2000" b="1" dirty="0" smtClean="0">
+            <a:endParaRPr lang="en-US" sz="2000" b="1" dirty="0">
               <a:latin typeface="Calibri" pitchFamily="34" charset="0"/>
             </a:endParaRPr>
           </a:p>
@@ -3127,31 +3080,31 @@
               <a:buChar char="•"/>
             </a:pPr>
             <a:r>
-              <a:rPr lang="ru-RU" sz="2000" b="1" dirty="0" smtClean="0">
+              <a:rPr lang="ru-RU" sz="2000" b="1" dirty="0">
                 <a:latin typeface="Calibri" pitchFamily="34" charset="0"/>
               </a:rPr>
               <a:t> </a:t>
             </a:r>
             <a:r>
-              <a:rPr lang="ru-RU" sz="2000" dirty="0" smtClean="0">
+              <a:rPr lang="ru-RU" sz="2000" dirty="0">
                 <a:latin typeface="Calibri" pitchFamily="34" charset="0"/>
               </a:rPr>
               <a:t>Команда </a:t>
             </a:r>
             <a:r>
-              <a:rPr lang="en-US" sz="2000" b="1" dirty="0" smtClean="0">
+              <a:rPr lang="en-US" sz="2000" b="1" dirty="0">
                 <a:latin typeface="Calibri" pitchFamily="34" charset="0"/>
               </a:rPr>
               <a:t>.help </a:t>
             </a:r>
             <a:r>
-              <a:rPr lang="ru-RU" sz="2000" dirty="0" smtClean="0">
+              <a:rPr lang="ru-RU" sz="2000" dirty="0">
                 <a:latin typeface="Calibri" pitchFamily="34" charset="0"/>
               </a:rPr>
               <a:t>показывает список всех специальных команд интерактивной оболочки</a:t>
             </a:r>
             <a:r>
-              <a:rPr lang="en-US" sz="2000" dirty="0" smtClean="0">
+              <a:rPr lang="en-US" sz="2000" dirty="0">
                 <a:latin typeface="Calibri" pitchFamily="34" charset="0"/>
               </a:rPr>
               <a:t> Node</a:t>
@@ -3200,7 +3153,7 @@
           <a:lstStyle/>
           <a:p>
             <a:r>
-              <a:rPr lang="ru-RU" dirty="0" smtClean="0">
+              <a:rPr lang="ru-RU" dirty="0">
                 <a:latin typeface="Calibri" pitchFamily="34" charset="0"/>
               </a:rPr>
               <a:t>Работа с переменными</a:t>
@@ -3270,49 +3223,52 @@
               <a:buChar char="•"/>
             </a:pPr>
             <a:r>
-              <a:rPr lang="ru-RU" dirty="0" smtClean="0">
+              <a:rPr lang="ru-RU" dirty="0">
                 <a:latin typeface="Calibri" pitchFamily="34" charset="0"/>
               </a:rPr>
               <a:t> При объявлении переменной</a:t>
             </a:r>
             <a:r>
-              <a:rPr lang="en-US" dirty="0" smtClean="0">
+              <a:rPr lang="en-US" dirty="0">
                 <a:latin typeface="Calibri" pitchFamily="34" charset="0"/>
               </a:rPr>
               <a:t> </a:t>
             </a:r>
             <a:r>
-              <a:rPr lang="ru-RU" dirty="0" smtClean="0">
+              <a:rPr lang="ru-RU" dirty="0">
                 <a:latin typeface="Calibri" pitchFamily="34" charset="0"/>
               </a:rPr>
               <a:t>без ключевого слова </a:t>
             </a:r>
             <a:r>
-              <a:rPr lang="en-US" dirty="0" err="1" smtClean="0">
+              <a:rPr lang="en-US" dirty="0" err="1">
+                <a:solidFill>
+                  <a:srgbClr val="0070C0"/>
+                </a:solidFill>
                 <a:latin typeface="Calibri" pitchFamily="34" charset="0"/>
               </a:rPr>
               <a:t>var</a:t>
             </a:r>
             <a:r>
-              <a:rPr lang="en-US" dirty="0" smtClean="0">
+              <a:rPr lang="en-US" dirty="0">
                 <a:latin typeface="Calibri" pitchFamily="34" charset="0"/>
               </a:rPr>
               <a:t> </a:t>
             </a:r>
             <a:r>
-              <a:rPr lang="ru-RU" dirty="0" smtClean="0">
+              <a:rPr lang="ru-RU" dirty="0">
                 <a:latin typeface="Calibri" pitchFamily="34" charset="0"/>
               </a:rPr>
               <a:t> </a:t>
             </a:r>
             <a:r>
-              <a:rPr lang="ru-RU" dirty="0" err="1" smtClean="0">
+              <a:rPr lang="ru-RU" dirty="0" err="1">
                 <a:latin typeface="Calibri" pitchFamily="34" charset="0"/>
               </a:rPr>
               <a:t>значние</a:t>
             </a:r>
             <a:r>
-              <a:rPr lang="ru-RU" dirty="0" smtClean="0">
+              <a:rPr lang="ru-RU" dirty="0">
                 <a:latin typeface="Calibri" pitchFamily="34" charset="0"/>
               </a:rPr>
               <a:t> записывается в переменную и выводится на экран </a:t>
@@ -3323,7 +3279,7 @@
               <a:buFont typeface="Arial" pitchFamily="34" charset="0"/>
               <a:buChar char="•"/>
             </a:pPr>
-            <a:endParaRPr lang="ru-RU" dirty="0" smtClean="0">
+            <a:endParaRPr lang="ru-RU" dirty="0">
               <a:latin typeface="Calibri" pitchFamily="34" charset="0"/>
             </a:endParaRPr>
           </a:p>
@@ -3333,31 +3289,46 @@
               <a:buChar char="•"/>
             </a:pPr>
             <a:r>
-              <a:rPr lang="ru-RU" dirty="0" smtClean="0">
-                <a:latin typeface="Calibri" pitchFamily="34" charset="0"/>
-              </a:rPr>
-              <a:t> При объявлении переменной без ключевого слова </a:t>
-            </a:r>
-            <a:r>
-              <a:rPr lang="en-US" dirty="0" err="1" smtClean="0">
+              <a:rPr lang="ru-RU" dirty="0">
+                <a:latin typeface="Calibri" pitchFamily="34" charset="0"/>
+              </a:rPr>
+              <a:t> При объявлении переменной </a:t>
+            </a:r>
+            <a:r>
+              <a:rPr lang="en-US" dirty="0">
+                <a:latin typeface="Calibri" pitchFamily="34" charset="0"/>
+              </a:rPr>
+              <a:t>c</a:t>
+            </a:r>
+            <a:r>
+              <a:rPr lang="ru-RU" dirty="0">
+                <a:latin typeface="Calibri" pitchFamily="34" charset="0"/>
+              </a:rPr>
+              <a:t> ключевым словом </a:t>
+            </a:r>
+            <a:r>
+              <a:rPr lang="en-US" dirty="0" err="1">
+                <a:solidFill>
+                  <a:srgbClr val="0070C0"/>
+                </a:solidFill>
                 <a:latin typeface="Calibri" pitchFamily="34" charset="0"/>
               </a:rPr>
               <a:t>var</a:t>
             </a:r>
             <a:r>
-              <a:rPr lang="en-US" dirty="0" smtClean="0">
+              <a:rPr lang="en-US" dirty="0">
                 <a:latin typeface="Calibri" pitchFamily="34" charset="0"/>
               </a:rPr>
               <a:t> </a:t>
             </a:r>
             <a:r>
-              <a:rPr lang="ru-RU" dirty="0" smtClean="0">
+              <a:rPr lang="ru-RU" dirty="0">
                 <a:latin typeface="Calibri" pitchFamily="34" charset="0"/>
               </a:rPr>
               <a:t>значение записывается в переменную, но не выводится на экран</a:t>
             </a:r>
             <a:r>
-              <a:rPr lang="en-US" dirty="0" smtClean="0">
+              <a:rPr lang="en-US" dirty="0">
                 <a:latin typeface="Calibri" pitchFamily="34" charset="0"/>
               </a:rPr>
               <a:t> </a:t>
@@ -3368,7 +3339,7 @@
               <a:buFont typeface="Arial" pitchFamily="34" charset="0"/>
               <a:buChar char="•"/>
             </a:pPr>
-            <a:endParaRPr lang="en-US" dirty="0" smtClean="0">
+            <a:endParaRPr lang="en-US" dirty="0">
               <a:latin typeface="Calibri" pitchFamily="34" charset="0"/>
             </a:endParaRPr>
           </a:p>
@@ -3377,7 +3348,7 @@
               <a:buFont typeface="Arial" pitchFamily="34" charset="0"/>
               <a:buChar char="•"/>
             </a:pPr>
-            <a:endParaRPr lang="en-US" dirty="0" smtClean="0">
+            <a:endParaRPr lang="en-US" dirty="0">
               <a:latin typeface="Calibri" pitchFamily="34" charset="0"/>
             </a:endParaRPr>
           </a:p>
@@ -3386,7 +3357,7 @@
               <a:buFont typeface="Arial" pitchFamily="34" charset="0"/>
               <a:buChar char="•"/>
             </a:pPr>
-            <a:endParaRPr lang="en-US" dirty="0" smtClean="0">
+            <a:endParaRPr lang="en-US" dirty="0">
               <a:latin typeface="Calibri" pitchFamily="34" charset="0"/>
             </a:endParaRPr>
           </a:p>
@@ -3396,13 +3367,13 @@
               <a:buChar char="•"/>
             </a:pPr>
             <a:r>
-              <a:rPr lang="en-US" dirty="0" smtClean="0">
+              <a:rPr lang="en-US" dirty="0">
                 <a:latin typeface="Calibri" pitchFamily="34" charset="0"/>
               </a:rPr>
               <a:t> Node REPL </a:t>
             </a:r>
             <a:r>
-              <a:rPr lang="ru-RU" dirty="0" smtClean="0">
+              <a:rPr lang="ru-RU" dirty="0">
                 <a:latin typeface="Calibri" pitchFamily="34" charset="0"/>
               </a:rPr>
               <a:t>поддерживает многострочные выражения </a:t>
@@ -3413,7 +3384,7 @@
               <a:buFont typeface="Arial" pitchFamily="34" charset="0"/>
               <a:buChar char="•"/>
             </a:pPr>
-            <a:endParaRPr lang="ru-RU" dirty="0" smtClean="0">
+            <a:endParaRPr lang="ru-RU" dirty="0">
               <a:latin typeface="Calibri" pitchFamily="34" charset="0"/>
             </a:endParaRPr>
           </a:p>
@@ -3423,7 +3394,7 @@
               <a:buChar char="•"/>
             </a:pPr>
             <a:r>
-              <a:rPr lang="ru-RU" dirty="0" smtClean="0">
+              <a:rPr lang="ru-RU" dirty="0">
                 <a:latin typeface="Calibri" pitchFamily="34" charset="0"/>
               </a:rPr>
               <a:t> Символ _ используется для получения последнего результата вычисления </a:t>
@@ -3457,13 +3428,13 @@
           <a:lstStyle/>
           <a:p>
             <a:r>
-              <a:rPr lang="ru-RU" dirty="0" smtClean="0">
+              <a:rPr lang="ru-RU" dirty="0">
                 <a:latin typeface="Calibri" pitchFamily="34" charset="0"/>
               </a:rPr>
               <a:t>Переменные в </a:t>
             </a:r>
             <a:r>
-              <a:rPr lang="en-US" dirty="0" smtClean="0">
+              <a:rPr lang="en-US" dirty="0">
                 <a:latin typeface="Calibri" pitchFamily="34" charset="0"/>
               </a:rPr>
               <a:t>Node REPL: </a:t>
@@ -3547,13 +3518,13 @@
           <a:lstStyle/>
           <a:p>
             <a:r>
-              <a:rPr lang="ru-RU" dirty="0" smtClean="0">
+              <a:rPr lang="ru-RU" dirty="0">
                 <a:latin typeface="Calibri" pitchFamily="34" charset="0"/>
               </a:rPr>
               <a:t>Глобальные объекты </a:t>
             </a:r>
             <a:r>
-              <a:rPr lang="en-US" dirty="0" err="1" smtClean="0">
+              <a:rPr lang="en-US" dirty="0" err="1">
                 <a:latin typeface="Calibri" pitchFamily="34" charset="0"/>
               </a:rPr>
               <a:t>NodeJS</a:t>
@@ -3591,40 +3562,28 @@
               <a:buChar char="•"/>
             </a:pPr>
             <a:r>
-              <a:rPr lang="en-US" dirty="0" smtClean="0">
+              <a:rPr lang="en-US" dirty="0">
                 <a:latin typeface="Calibri" pitchFamily="34" charset="0"/>
               </a:rPr>
               <a:t> </a:t>
             </a:r>
             <a:r>
-              <a:rPr lang="en-US" b="1" dirty="0" smtClean="0">
+              <a:rPr lang="en-US" b="1" dirty="0">
                 <a:latin typeface="Calibri" pitchFamily="34" charset="0"/>
               </a:rPr>
               <a:t>console</a:t>
             </a:r>
             <a:r>
-              <a:rPr lang="en-US" dirty="0" smtClean="0">
+              <a:rPr lang="en-US" dirty="0">
                 <a:latin typeface="Calibri" pitchFamily="34" charset="0"/>
               </a:rPr>
               <a:t> – </a:t>
             </a:r>
             <a:r>
-              <a:rPr lang="ru-RU" dirty="0" smtClean="0">
-                <a:latin typeface="Calibri" pitchFamily="34" charset="0"/>
-              </a:rPr>
-              <a:t>глобальный </a:t>
-            </a:r>
-            <a:r>
-              <a:rPr lang="ru-RU" dirty="0" err="1" smtClean="0">
-                <a:latin typeface="Calibri" pitchFamily="34" charset="0"/>
-              </a:rPr>
-              <a:t>объкт</a:t>
-            </a:r>
-            <a:r>
-              <a:rPr lang="ru-RU" dirty="0" smtClean="0">
-                <a:latin typeface="Calibri" pitchFamily="34" charset="0"/>
-              </a:rPr>
-              <a:t> консоль</a:t>
+              <a:rPr lang="ru-RU" dirty="0">
+                <a:latin typeface="Calibri" pitchFamily="34" charset="0"/>
+              </a:rPr>
+              <a:t>глобальный объект консоль</a:t>
             </a:r>
           </a:p>
           <a:p>
@@ -3632,7 +3591,7 @@
               <a:buFont typeface="Arial" pitchFamily="34" charset="0"/>
               <a:buChar char="•"/>
             </a:pPr>
-            <a:endParaRPr lang="en-US" dirty="0" smtClean="0">
+            <a:endParaRPr lang="en-US" dirty="0">
               <a:latin typeface="Calibri" pitchFamily="34" charset="0"/>
             </a:endParaRPr>
           </a:p>
@@ -3642,36 +3601,36 @@
               <a:buChar char="•"/>
             </a:pPr>
             <a:r>
-              <a:rPr lang="en-US" dirty="0" smtClean="0">
+              <a:rPr lang="en-US" dirty="0">
                 <a:latin typeface="Calibri" pitchFamily="34" charset="0"/>
               </a:rPr>
               <a:t> </a:t>
             </a:r>
             <a:r>
-              <a:rPr lang="en-US" b="1" dirty="0" smtClean="0">
+              <a:rPr lang="en-US" b="1" dirty="0">
                 <a:latin typeface="Calibri" pitchFamily="34" charset="0"/>
               </a:rPr>
               <a:t>process </a:t>
             </a:r>
             <a:r>
-              <a:rPr lang="en-US" dirty="0" smtClean="0">
+              <a:rPr lang="en-US" dirty="0">
                 <a:latin typeface="Calibri" pitchFamily="34" charset="0"/>
               </a:rPr>
               <a:t>– </a:t>
             </a:r>
             <a:r>
-              <a:rPr lang="ru-RU" dirty="0" smtClean="0">
+              <a:rPr lang="ru-RU" dirty="0">
                 <a:latin typeface="Calibri" pitchFamily="34" charset="0"/>
               </a:rPr>
               <a:t>глобальный объект, позволяющий контролировать текущий процесс </a:t>
             </a:r>
             <a:r>
-              <a:rPr lang="en-US" dirty="0" err="1" smtClean="0">
+              <a:rPr lang="en-US" dirty="0" err="1">
                 <a:latin typeface="Calibri" pitchFamily="34" charset="0"/>
               </a:rPr>
               <a:t>NodeJS</a:t>
             </a:r>
-            <a:endParaRPr lang="ru-RU" dirty="0" smtClean="0">
+            <a:endParaRPr lang="ru-RU" dirty="0">
               <a:latin typeface="Calibri" pitchFamily="34" charset="0"/>
             </a:endParaRPr>
           </a:p>
@@ -3680,7 +3639,7 @@
               <a:buFont typeface="Arial" pitchFamily="34" charset="0"/>
               <a:buChar char="•"/>
             </a:pPr>
-            <a:endParaRPr lang="en-US" dirty="0" smtClean="0">
+            <a:endParaRPr lang="en-US" dirty="0">
               <a:latin typeface="Calibri" pitchFamily="34" charset="0"/>
             </a:endParaRPr>
           </a:p>
@@ -3690,19 +3649,19 @@
               <a:buChar char="•"/>
             </a:pPr>
             <a:r>
-              <a:rPr lang="en-US" b="1" dirty="0" smtClean="0">
+              <a:rPr lang="en-US" b="1" dirty="0">
                 <a:latin typeface="Calibri" pitchFamily="34" charset="0"/>
               </a:rPr>
               <a:t> buffer </a:t>
             </a:r>
             <a:r>
-              <a:rPr lang="en-US" dirty="0" smtClean="0">
+              <a:rPr lang="en-US" dirty="0">
                 <a:latin typeface="Calibri" pitchFamily="34" charset="0"/>
               </a:rPr>
               <a:t>– </a:t>
             </a:r>
             <a:r>
-              <a:rPr lang="ru-RU" dirty="0" smtClean="0">
+              <a:rPr lang="ru-RU" dirty="0">
                 <a:latin typeface="Calibri" pitchFamily="34" charset="0"/>
               </a:rPr>
               <a:t>модуль для работы с бинарным кодом </a:t>
@@ -3713,7 +3672,7 @@
               <a:buFont typeface="Arial" pitchFamily="34" charset="0"/>
               <a:buChar char="•"/>
             </a:pPr>
-            <a:endParaRPr lang="en-US" dirty="0" smtClean="0">
+            <a:endParaRPr lang="en-US" dirty="0">
               <a:latin typeface="Calibri" pitchFamily="34" charset="0"/>
             </a:endParaRPr>
           </a:p>
@@ -3723,25 +3682,25 @@
               <a:buChar char="•"/>
             </a:pPr>
             <a:r>
-              <a:rPr lang="en-US" dirty="0" smtClean="0">
+              <a:rPr lang="en-US" dirty="0">
                 <a:latin typeface="Calibri" pitchFamily="34" charset="0"/>
               </a:rPr>
               <a:t> </a:t>
             </a:r>
             <a:r>
-              <a:rPr lang="en-US" b="1" dirty="0" smtClean="0">
+              <a:rPr lang="en-US" b="1" dirty="0">
                 <a:latin typeface="Calibri" pitchFamily="34" charset="0"/>
               </a:rPr>
               <a:t>module</a:t>
             </a:r>
             <a:r>
-              <a:rPr lang="en-US" dirty="0" smtClean="0">
+              <a:rPr lang="en-US" dirty="0">
                 <a:latin typeface="Calibri" pitchFamily="34" charset="0"/>
               </a:rPr>
               <a:t> </a:t>
             </a:r>
             <a:r>
-              <a:rPr lang="ru-RU" dirty="0" smtClean="0">
+              <a:rPr lang="ru-RU" dirty="0">
                 <a:latin typeface="Calibri" pitchFamily="34" charset="0"/>
               </a:rPr>
               <a:t>– ссылка на текущий модуль </a:t>
@@ -3752,7 +3711,7 @@
               <a:buFont typeface="Arial" pitchFamily="34" charset="0"/>
               <a:buChar char="•"/>
             </a:pPr>
-            <a:endParaRPr lang="en-US" dirty="0" smtClean="0">
+            <a:endParaRPr lang="en-US" dirty="0">
               <a:latin typeface="Calibri" pitchFamily="34" charset="0"/>
             </a:endParaRPr>
           </a:p>
@@ -3762,30 +3721,30 @@
               <a:buChar char="•"/>
             </a:pPr>
             <a:r>
-              <a:rPr lang="en-US" dirty="0" smtClean="0">
+              <a:rPr lang="en-US" dirty="0">
                 <a:latin typeface="Calibri" pitchFamily="34" charset="0"/>
               </a:rPr>
               <a:t> </a:t>
             </a:r>
             <a:r>
-              <a:rPr lang="en-US" b="1" dirty="0" smtClean="0">
+              <a:rPr lang="en-US" b="1" dirty="0">
                 <a:latin typeface="Calibri" pitchFamily="34" charset="0"/>
               </a:rPr>
               <a:t>require() </a:t>
             </a:r>
             <a:r>
-              <a:rPr lang="en-US" dirty="0" smtClean="0">
+              <a:rPr lang="en-US" dirty="0">
                 <a:latin typeface="Calibri" pitchFamily="34" charset="0"/>
               </a:rPr>
               <a:t>– </a:t>
             </a:r>
             <a:r>
-              <a:rPr lang="ru-RU" dirty="0" smtClean="0">
+              <a:rPr lang="ru-RU" dirty="0">
                 <a:latin typeface="Calibri" pitchFamily="34" charset="0"/>
               </a:rPr>
               <a:t>функция для загрузки модулей</a:t>
             </a:r>
-            <a:endParaRPr lang="en-US" dirty="0" smtClean="0">
+            <a:endParaRPr lang="en-US" dirty="0">
               <a:latin typeface="Calibri" pitchFamily="34" charset="0"/>
             </a:endParaRPr>
           </a:p>
@@ -3794,7 +3753,7 @@
               <a:buFont typeface="Arial" pitchFamily="34" charset="0"/>
               <a:buChar char="•"/>
             </a:pPr>
-            <a:endParaRPr lang="en-US" dirty="0" smtClean="0">
+            <a:endParaRPr lang="en-US" dirty="0">
               <a:latin typeface="Calibri" pitchFamily="34" charset="0"/>
             </a:endParaRPr>
           </a:p>
@@ -3804,48 +3763,48 @@
               <a:buChar char="•"/>
             </a:pPr>
             <a:r>
-              <a:rPr lang="en-US" dirty="0" smtClean="0">
+              <a:rPr lang="en-US" dirty="0">
                 <a:latin typeface="Calibri" pitchFamily="34" charset="0"/>
               </a:rPr>
               <a:t> </a:t>
             </a:r>
             <a:r>
-              <a:rPr lang="en-US" b="1" dirty="0" smtClean="0">
+              <a:rPr lang="en-US" b="1" dirty="0">
                 <a:latin typeface="Calibri" pitchFamily="34" charset="0"/>
               </a:rPr>
               <a:t>__</a:t>
             </a:r>
             <a:r>
-              <a:rPr lang="en-US" b="1" dirty="0" err="1" smtClean="0">
+              <a:rPr lang="en-US" b="1" dirty="0" err="1">
                 <a:latin typeface="Calibri" pitchFamily="34" charset="0"/>
               </a:rPr>
               <a:t>dirname</a:t>
             </a:r>
             <a:r>
-              <a:rPr lang="en-US" b="1" dirty="0" smtClean="0">
+              <a:rPr lang="en-US" b="1" dirty="0">
                 <a:latin typeface="Calibri" pitchFamily="34" charset="0"/>
               </a:rPr>
               <a:t> </a:t>
             </a:r>
             <a:r>
-              <a:rPr lang="en-US" dirty="0" smtClean="0">
+              <a:rPr lang="en-US" dirty="0">
                 <a:latin typeface="Calibri" pitchFamily="34" charset="0"/>
               </a:rPr>
               <a:t>– </a:t>
             </a:r>
             <a:r>
-              <a:rPr lang="ru-RU" dirty="0" smtClean="0">
+              <a:rPr lang="ru-RU" dirty="0">
                 <a:latin typeface="Calibri" pitchFamily="34" charset="0"/>
               </a:rPr>
               <a:t>директория исполняемого процесса </a:t>
             </a:r>
             <a:r>
-              <a:rPr lang="en-US" dirty="0" err="1" smtClean="0">
+              <a:rPr lang="en-US" dirty="0" err="1">
                 <a:latin typeface="Calibri" pitchFamily="34" charset="0"/>
               </a:rPr>
               <a:t>NodeJS</a:t>
             </a:r>
-            <a:endParaRPr lang="en-US" dirty="0" smtClean="0">
+            <a:endParaRPr lang="en-US" dirty="0">
               <a:latin typeface="Calibri" pitchFamily="34" charset="0"/>
             </a:endParaRPr>
           </a:p>
@@ -3855,37 +3814,37 @@
               <a:buChar char="•"/>
             </a:pPr>
             <a:r>
-              <a:rPr lang="en-US" dirty="0" smtClean="0">
+              <a:rPr lang="en-US" dirty="0">
                 <a:latin typeface="Calibri" pitchFamily="34" charset="0"/>
               </a:rPr>
               <a:t> </a:t>
             </a:r>
             <a:r>
-              <a:rPr lang="en-US" b="1" dirty="0" smtClean="0">
+              <a:rPr lang="en-US" b="1" dirty="0">
                 <a:latin typeface="Calibri" pitchFamily="34" charset="0"/>
               </a:rPr>
               <a:t>__filename</a:t>
             </a:r>
             <a:r>
-              <a:rPr lang="en-US" dirty="0" smtClean="0">
+              <a:rPr lang="en-US" dirty="0">
                 <a:latin typeface="Calibri" pitchFamily="34" charset="0"/>
               </a:rPr>
               <a:t> – </a:t>
             </a:r>
             <a:r>
-              <a:rPr lang="ru-RU" dirty="0" smtClean="0">
+              <a:rPr lang="ru-RU" dirty="0">
                 <a:latin typeface="Calibri" pitchFamily="34" charset="0"/>
               </a:rPr>
               <a:t>файл с исполняемым процессом </a:t>
             </a:r>
             <a:r>
-              <a:rPr lang="en-US" dirty="0" err="1" smtClean="0">
+              <a:rPr lang="en-US" dirty="0" err="1">
                 <a:latin typeface="Calibri" pitchFamily="34" charset="0"/>
               </a:rPr>
               <a:t>NodeJS</a:t>
             </a:r>
             <a:r>
-              <a:rPr lang="ru-RU" dirty="0" smtClean="0">
+              <a:rPr lang="ru-RU" dirty="0">
                 <a:latin typeface="Calibri" pitchFamily="34" charset="0"/>
               </a:rPr>
               <a:t> </a:t>
@@ -3896,7 +3855,7 @@
               <a:buFont typeface="Arial" pitchFamily="34" charset="0"/>
               <a:buChar char="•"/>
             </a:pPr>
-            <a:endParaRPr lang="ru-RU" dirty="0" smtClean="0">
+            <a:endParaRPr lang="ru-RU" dirty="0">
               <a:latin typeface="Calibri" pitchFamily="34" charset="0"/>
             </a:endParaRPr>
           </a:p>
@@ -3906,55 +3865,55 @@
               <a:buChar char="•"/>
             </a:pPr>
             <a:r>
-              <a:rPr lang="en-US" dirty="0" smtClean="0">
+              <a:rPr lang="en-US" dirty="0">
                 <a:latin typeface="Calibri" pitchFamily="34" charset="0"/>
               </a:rPr>
               <a:t> </a:t>
             </a:r>
             <a:r>
-              <a:rPr lang="ru-RU" b="1" dirty="0" smtClean="0">
+              <a:rPr lang="ru-RU" b="1" dirty="0">
                 <a:latin typeface="Calibri" pitchFamily="34" charset="0"/>
               </a:rPr>
               <a:t>таймеры</a:t>
             </a:r>
             <a:r>
-              <a:rPr lang="ru-RU" dirty="0" smtClean="0">
+              <a:rPr lang="ru-RU" dirty="0">
                 <a:latin typeface="Calibri" pitchFamily="34" charset="0"/>
               </a:rPr>
               <a:t> – функции </a:t>
             </a:r>
             <a:r>
-              <a:rPr lang="en-US" dirty="0" err="1" smtClean="0">
+              <a:rPr lang="en-US" dirty="0" err="1">
                 <a:latin typeface="Calibri" pitchFamily="34" charset="0"/>
               </a:rPr>
               <a:t>setImmediate</a:t>
             </a:r>
             <a:r>
-              <a:rPr lang="en-US" dirty="0" smtClean="0">
+              <a:rPr lang="en-US" dirty="0">
                 <a:latin typeface="Calibri" pitchFamily="34" charset="0"/>
               </a:rPr>
               <a:t>, </a:t>
             </a:r>
             <a:r>
-              <a:rPr lang="en-US" dirty="0" err="1" smtClean="0">
+              <a:rPr lang="en-US" dirty="0" err="1">
                 <a:latin typeface="Calibri" pitchFamily="34" charset="0"/>
               </a:rPr>
               <a:t>setTimeout</a:t>
             </a:r>
             <a:r>
-              <a:rPr lang="en-US" dirty="0" smtClean="0">
+              <a:rPr lang="en-US" dirty="0">
                 <a:latin typeface="Calibri" pitchFamily="34" charset="0"/>
               </a:rPr>
               <a:t> </a:t>
             </a:r>
             <a:r>
-              <a:rPr lang="ru-RU" dirty="0" smtClean="0">
+              <a:rPr lang="ru-RU" dirty="0">
                 <a:latin typeface="Calibri" pitchFamily="34" charset="0"/>
               </a:rPr>
               <a:t>и </a:t>
             </a:r>
             <a:r>
-              <a:rPr lang="en-US" dirty="0" err="1" smtClean="0">
+              <a:rPr lang="en-US" dirty="0" err="1">
                 <a:latin typeface="Calibri" pitchFamily="34" charset="0"/>
               </a:rPr>
               <a:t>setInterval</a:t>
@@ -4006,13 +3965,13 @@
           <a:lstStyle/>
           <a:p>
             <a:r>
-              <a:rPr lang="ru-RU" dirty="0" smtClean="0">
+              <a:rPr lang="ru-RU" dirty="0">
                 <a:latin typeface="Calibri" pitchFamily="34" charset="0"/>
               </a:rPr>
               <a:t>Основные модули </a:t>
             </a:r>
             <a:r>
-              <a:rPr lang="en-US" dirty="0" err="1" smtClean="0">
+              <a:rPr lang="en-US" dirty="0" err="1">
                 <a:latin typeface="Calibri" pitchFamily="34" charset="0"/>
               </a:rPr>
               <a:t>NodeJS</a:t>
@@ -4050,30 +4009,24 @@
               <a:buChar char="•"/>
             </a:pPr>
             <a:r>
-              <a:rPr lang="en-US" b="1" dirty="0" smtClean="0">
+              <a:rPr lang="en-US" b="1" dirty="0">
                 <a:latin typeface="Calibri" pitchFamily="34" charset="0"/>
               </a:rPr>
               <a:t> events </a:t>
             </a:r>
             <a:r>
-              <a:rPr lang="en-US" dirty="0" smtClean="0">
+              <a:rPr lang="en-US" dirty="0">
                 <a:latin typeface="Calibri" pitchFamily="34" charset="0"/>
               </a:rPr>
               <a:t>– </a:t>
             </a:r>
             <a:r>
-              <a:rPr lang="ru-RU" dirty="0" err="1" smtClean="0">
-                <a:latin typeface="Calibri" pitchFamily="34" charset="0"/>
-              </a:rPr>
-              <a:t>моудуль</a:t>
-            </a:r>
-            <a:r>
-              <a:rPr lang="ru-RU" dirty="0" smtClean="0">
-                <a:latin typeface="Calibri" pitchFamily="34" charset="0"/>
-              </a:rPr>
-              <a:t> для работы с событиями</a:t>
-            </a:r>
-            <a:endParaRPr lang="en-US" dirty="0" smtClean="0">
+              <a:rPr lang="ru-RU" dirty="0">
+                <a:latin typeface="Calibri" pitchFamily="34" charset="0"/>
+              </a:rPr>
+              <a:t>модуль для работы с событиями</a:t>
+            </a:r>
+            <a:endParaRPr lang="en-US" dirty="0">
               <a:latin typeface="Calibri" pitchFamily="34" charset="0"/>
             </a:endParaRPr>
           </a:p>
@@ -4082,7 +4035,7 @@
               <a:buFont typeface="Arial" pitchFamily="34" charset="0"/>
               <a:buChar char="•"/>
             </a:pPr>
-            <a:endParaRPr lang="en-US" dirty="0" smtClean="0">
+            <a:endParaRPr lang="en-US" dirty="0">
               <a:latin typeface="Calibri" pitchFamily="34" charset="0"/>
             </a:endParaRPr>
           </a:p>
@@ -4092,25 +4045,25 @@
               <a:buChar char="•"/>
             </a:pPr>
             <a:r>
-              <a:rPr lang="en-US" dirty="0" smtClean="0">
+              <a:rPr lang="en-US" dirty="0">
                 <a:latin typeface="Calibri" pitchFamily="34" charset="0"/>
               </a:rPr>
               <a:t> </a:t>
             </a:r>
             <a:r>
-              <a:rPr lang="en-US" b="1" dirty="0" err="1" smtClean="0">
+              <a:rPr lang="en-US" b="1" dirty="0" err="1">
                 <a:latin typeface="Calibri" pitchFamily="34" charset="0"/>
               </a:rPr>
               <a:t>fileSystem</a:t>
             </a:r>
             <a:r>
-              <a:rPr lang="en-US" dirty="0" smtClean="0">
+              <a:rPr lang="en-US" dirty="0">
                 <a:latin typeface="Calibri" pitchFamily="34" charset="0"/>
               </a:rPr>
               <a:t> -  </a:t>
             </a:r>
             <a:r>
-              <a:rPr lang="ru-RU" dirty="0" smtClean="0">
+              <a:rPr lang="ru-RU" dirty="0">
                 <a:latin typeface="Calibri" pitchFamily="34" charset="0"/>
               </a:rPr>
               <a:t>модуль для работы с файловой системой</a:t>
@@ -4121,7 +4074,7 @@
               <a:buFont typeface="Arial" pitchFamily="34" charset="0"/>
               <a:buChar char="•"/>
             </a:pPr>
-            <a:endParaRPr lang="en-US" dirty="0" smtClean="0">
+            <a:endParaRPr lang="en-US" dirty="0">
               <a:latin typeface="Calibri" pitchFamily="34" charset="0"/>
             </a:endParaRPr>
           </a:p>
@@ -4131,25 +4084,25 @@
               <a:buChar char="•"/>
             </a:pPr>
             <a:r>
-              <a:rPr lang="en-US" dirty="0" smtClean="0">
+              <a:rPr lang="en-US" dirty="0">
                 <a:latin typeface="Calibri" pitchFamily="34" charset="0"/>
               </a:rPr>
               <a:t> </a:t>
             </a:r>
             <a:r>
-              <a:rPr lang="en-US" b="1" dirty="0" smtClean="0">
+              <a:rPr lang="en-US" b="1" dirty="0">
                 <a:latin typeface="Calibri" pitchFamily="34" charset="0"/>
               </a:rPr>
               <a:t>stream</a:t>
             </a:r>
             <a:r>
-              <a:rPr lang="en-US" dirty="0" smtClean="0">
+              <a:rPr lang="en-US" dirty="0">
                 <a:latin typeface="Calibri" pitchFamily="34" charset="0"/>
               </a:rPr>
               <a:t> – </a:t>
             </a:r>
             <a:r>
-              <a:rPr lang="ru-RU" dirty="0" smtClean="0">
+              <a:rPr lang="ru-RU" dirty="0">
                 <a:latin typeface="Calibri" pitchFamily="34" charset="0"/>
               </a:rPr>
               <a:t>модуль для работы с потоками </a:t>
@@ -4160,7 +4113,7 @@
               <a:buFont typeface="Arial" pitchFamily="34" charset="0"/>
               <a:buChar char="•"/>
             </a:pPr>
-            <a:endParaRPr lang="en-US" dirty="0" smtClean="0">
+            <a:endParaRPr lang="en-US" dirty="0">
               <a:latin typeface="Calibri" pitchFamily="34" charset="0"/>
             </a:endParaRPr>
           </a:p>
@@ -4170,25 +4123,25 @@
               <a:buChar char="•"/>
             </a:pPr>
             <a:r>
-              <a:rPr lang="en-US" dirty="0" smtClean="0">
+              <a:rPr lang="en-US" dirty="0">
                 <a:latin typeface="Calibri" pitchFamily="34" charset="0"/>
               </a:rPr>
               <a:t> </a:t>
             </a:r>
             <a:r>
-              <a:rPr lang="en-US" b="1" dirty="0" smtClean="0">
+              <a:rPr lang="en-US" b="1" dirty="0">
                 <a:latin typeface="Calibri" pitchFamily="34" charset="0"/>
               </a:rPr>
               <a:t>path</a:t>
             </a:r>
             <a:r>
-              <a:rPr lang="en-US" dirty="0" smtClean="0">
+              <a:rPr lang="en-US" dirty="0">
                 <a:latin typeface="Calibri" pitchFamily="34" charset="0"/>
               </a:rPr>
               <a:t> – </a:t>
             </a:r>
             <a:r>
-              <a:rPr lang="ru-RU" dirty="0" smtClean="0">
+              <a:rPr lang="ru-RU" dirty="0">
                 <a:latin typeface="Calibri" pitchFamily="34" charset="0"/>
               </a:rPr>
               <a:t>модуль для работы с путями </a:t>
@@ -4199,7 +4152,7 @@
               <a:buFont typeface="Arial" pitchFamily="34" charset="0"/>
               <a:buChar char="•"/>
             </a:pPr>
-            <a:endParaRPr lang="en-US" dirty="0" smtClean="0">
+            <a:endParaRPr lang="en-US" dirty="0">
               <a:latin typeface="Calibri" pitchFamily="34" charset="0"/>
             </a:endParaRPr>
           </a:p>
@@ -4209,30 +4162,30 @@
               <a:buChar char="•"/>
             </a:pPr>
             <a:r>
-              <a:rPr lang="en-US" b="1" dirty="0" smtClean="0">
+              <a:rPr lang="en-US" b="1" dirty="0">
                 <a:latin typeface="Calibri" pitchFamily="34" charset="0"/>
               </a:rPr>
               <a:t> URL </a:t>
             </a:r>
             <a:r>
-              <a:rPr lang="en-US" dirty="0" smtClean="0">
+              <a:rPr lang="en-US" dirty="0">
                 <a:latin typeface="Calibri" pitchFamily="34" charset="0"/>
               </a:rPr>
               <a:t>– </a:t>
             </a:r>
             <a:r>
-              <a:rPr lang="ru-RU" dirty="0" smtClean="0">
+              <a:rPr lang="ru-RU" dirty="0">
                 <a:latin typeface="Calibri" pitchFamily="34" charset="0"/>
               </a:rPr>
               <a:t>модуль для работы с </a:t>
             </a:r>
             <a:r>
-              <a:rPr lang="en-US" dirty="0" smtClean="0">
+              <a:rPr lang="en-US" dirty="0">
                 <a:latin typeface="Calibri" pitchFamily="34" charset="0"/>
               </a:rPr>
               <a:t>URL</a:t>
             </a:r>
-            <a:endParaRPr lang="ru-RU" dirty="0" smtClean="0">
+            <a:endParaRPr lang="ru-RU" dirty="0">
               <a:latin typeface="Calibri" pitchFamily="34" charset="0"/>
             </a:endParaRPr>
           </a:p>
@@ -4241,7 +4194,7 @@
               <a:buFont typeface="Arial" pitchFamily="34" charset="0"/>
               <a:buChar char="•"/>
             </a:pPr>
-            <a:endParaRPr lang="ru-RU" dirty="0" smtClean="0">
+            <a:endParaRPr lang="ru-RU" dirty="0">
               <a:latin typeface="Calibri" pitchFamily="34" charset="0"/>
             </a:endParaRPr>
           </a:p>
@@ -4251,25 +4204,25 @@
               <a:buChar char="•"/>
             </a:pPr>
             <a:r>
-              <a:rPr lang="ru-RU" b="1" dirty="0" smtClean="0">
+              <a:rPr lang="ru-RU" b="1" dirty="0">
                 <a:latin typeface="Calibri" pitchFamily="34" charset="0"/>
               </a:rPr>
               <a:t> </a:t>
             </a:r>
             <a:r>
-              <a:rPr lang="en-US" b="1" dirty="0" smtClean="0">
+              <a:rPr lang="en-US" b="1" dirty="0">
                 <a:latin typeface="Calibri" pitchFamily="34" charset="0"/>
               </a:rPr>
               <a:t>net </a:t>
             </a:r>
             <a:r>
-              <a:rPr lang="en-US" dirty="0" smtClean="0">
+              <a:rPr lang="en-US" dirty="0">
                 <a:latin typeface="Calibri" pitchFamily="34" charset="0"/>
               </a:rPr>
               <a:t>– </a:t>
             </a:r>
             <a:r>
-              <a:rPr lang="ru-RU" dirty="0" smtClean="0">
+              <a:rPr lang="ru-RU" dirty="0">
                 <a:latin typeface="Calibri" pitchFamily="34" charset="0"/>
               </a:rPr>
               <a:t>модуль, содержащий основные функции для создания серверов и клиентов</a:t>
